--- a/Presentation/pres.pptx
+++ b/Presentation/pres.pptx
@@ -10765,7 +10765,12 @@
             <p:ph idx="1"/>
           </p:nvPr>
         </p:nvSpPr>
-        <p:spPr/>
+        <p:spPr>
+          <a:xfrm>
+            <a:off x="371475" y="1484554"/>
+            <a:ext cx="11449049" cy="4665127"/>
+          </a:xfrm>
+        </p:spPr>
         <p:txBody>
           <a:bodyPr/>
           <a:lstStyle/>
@@ -10804,6 +10809,205 @@
           </a:prstGeom>
         </p:spPr>
       </p:pic>
+      <p:sp>
+        <p:nvSpPr>
+          <p:cNvPr id="3" name="Rectangle 1">
+            <a:extLst>
+              <a:ext uri="{FF2B5EF4-FFF2-40B4-BE49-F238E27FC236}">
+                <a16:creationId xmlns:a16="http://schemas.microsoft.com/office/drawing/2014/main" id="{F00DC261-6549-573E-44BE-44ADD58DEDA9}"/>
+              </a:ext>
+            </a:extLst>
+          </p:cNvPr>
+          <p:cNvSpPr>
+            <a:spLocks noChangeArrowheads="1"/>
+          </p:cNvSpPr>
+          <p:nvPr/>
+        </p:nvSpPr>
+        <p:spPr bwMode="auto">
+          <a:xfrm>
+            <a:off x="371473" y="843666"/>
+            <a:ext cx="6763390" cy="369332"/>
+          </a:xfrm>
+          <a:prstGeom prst="rect">
+            <a:avLst/>
+          </a:prstGeom>
+          <a:noFill/>
+          <a:ln>
+            <a:noFill/>
+          </a:ln>
+          <a:effectLst/>
+          <a:extLst>
+            <a:ext uri="{909E8E84-426E-40DD-AFC4-6F175D3DCCD1}">
+              <a14:hiddenFill xmlns:a14="http://schemas.microsoft.com/office/drawing/2010/main">
+                <a:solidFill>
+                  <a:schemeClr val="accent1"/>
+                </a:solidFill>
+              </a14:hiddenFill>
+            </a:ext>
+            <a:ext uri="{91240B29-F687-4F45-9708-019B960494DF}">
+              <a14:hiddenLine xmlns:a14="http://schemas.microsoft.com/office/drawing/2010/main" w="9525">
+                <a:solidFill>
+                  <a:schemeClr val="tx1"/>
+                </a:solidFill>
+                <a:miter lim="800000"/>
+                <a:headEnd/>
+                <a:tailEnd/>
+              </a14:hiddenLine>
+            </a:ext>
+            <a:ext uri="{AF507438-7753-43E0-B8FC-AC1667EBCBE1}">
+              <a14:hiddenEffects xmlns:a14="http://schemas.microsoft.com/office/drawing/2010/main">
+                <a:effectLst>
+                  <a:outerShdw dist="35921" dir="2700000" algn="ctr" rotWithShape="0">
+                    <a:schemeClr val="bg2"/>
+                  </a:outerShdw>
+                </a:effectLst>
+              </a14:hiddenEffects>
+            </a:ext>
+          </a:extLst>
+        </p:spPr>
+        <p:txBody>
+          <a:bodyPr vert="horz" wrap="none" lIns="91440" tIns="45720" rIns="91440" bIns="45720" numCol="1" anchor="ctr" anchorCtr="0" compatLnSpc="1">
+            <a:prstTxWarp prst="textNoShape">
+              <a:avLst/>
+            </a:prstTxWarp>
+            <a:spAutoFit/>
+          </a:bodyPr>
+          <a:lstStyle/>
+          <a:p>
+            <a:pPr marL="0" marR="0" lvl="0" indent="0" algn="l" defTabSz="914400" rtl="0" eaLnBrk="0" fontAlgn="base" latinLnBrk="0" hangingPunct="0">
+              <a:lnSpc>
+                <a:spcPct val="100000"/>
+              </a:lnSpc>
+              <a:spcBef>
+                <a:spcPct val="0"/>
+              </a:spcBef>
+              <a:spcAft>
+                <a:spcPct val="0"/>
+              </a:spcAft>
+              <a:buClrTx/>
+              <a:buSzTx/>
+              <a:buFontTx/>
+              <a:buNone/>
+              <a:tabLst/>
+            </a:pPr>
+            <a:r>
+              <a:rPr lang="de-DE" altLang="de-DE" dirty="0">
+                <a:latin typeface="+mj-lt"/>
+              </a:rPr>
+              <a:t>B</a:t>
+            </a:r>
+            <a:r>
+              <a:rPr kumimoji="0" lang="de-DE" altLang="de-DE" b="0" i="0" u="none" strike="noStrike" cap="none" normalizeH="0" baseline="0" dirty="0">
+                <a:ln>
+                  <a:noFill/>
+                </a:ln>
+                <a:solidFill>
+                  <a:schemeClr val="tx1"/>
+                </a:solidFill>
+                <a:effectLst/>
+                <a:latin typeface="+mj-lt"/>
+              </a:rPr>
+              <a:t>atch</a:t>
+            </a:r>
+            <a:r>
+              <a:rPr lang="de-DE" altLang="de-DE" dirty="0">
+                <a:latin typeface="+mj-lt"/>
+              </a:rPr>
+              <a:t> </a:t>
+            </a:r>
+            <a:r>
+              <a:rPr kumimoji="0" lang="de-DE" altLang="de-DE" b="0" i="0" u="none" strike="noStrike" cap="none" normalizeH="0" baseline="0" dirty="0" err="1">
+                <a:ln>
+                  <a:noFill/>
+                </a:ln>
+                <a:solidFill>
+                  <a:schemeClr val="tx1"/>
+                </a:solidFill>
+                <a:effectLst/>
+                <a:latin typeface="+mj-lt"/>
+              </a:rPr>
+              <a:t>size</a:t>
+            </a:r>
+            <a:r>
+              <a:rPr kumimoji="0" lang="de-DE" altLang="de-DE" b="0" i="0" u="none" strike="noStrike" cap="none" normalizeH="0" baseline="0" dirty="0">
+                <a:ln>
+                  <a:noFill/>
+                </a:ln>
+                <a:solidFill>
+                  <a:schemeClr val="tx1"/>
+                </a:solidFill>
+                <a:effectLst/>
+                <a:latin typeface="+mj-lt"/>
+              </a:rPr>
+              <a:t>: 64, </a:t>
+            </a:r>
+            <a:r>
+              <a:rPr lang="de-DE" altLang="de-DE" dirty="0">
+                <a:latin typeface="+mj-lt"/>
+              </a:rPr>
+              <a:t>D</a:t>
+            </a:r>
+            <a:r>
+              <a:rPr kumimoji="0" lang="de-DE" altLang="de-DE" b="0" i="0" u="none" strike="noStrike" cap="none" normalizeH="0" baseline="0" dirty="0">
+                <a:ln>
+                  <a:noFill/>
+                </a:ln>
+                <a:solidFill>
+                  <a:schemeClr val="tx1"/>
+                </a:solidFill>
+                <a:effectLst/>
+                <a:latin typeface="+mj-lt"/>
+              </a:rPr>
+              <a:t>rop out: 0.5, </a:t>
+            </a:r>
+            <a:r>
+              <a:rPr lang="de-DE" altLang="de-DE" dirty="0">
+                <a:latin typeface="+mj-lt"/>
+              </a:rPr>
+              <a:t>L</a:t>
+            </a:r>
+            <a:r>
+              <a:rPr kumimoji="0" lang="de-DE" altLang="de-DE" b="0" i="0" u="none" strike="noStrike" cap="none" normalizeH="0" baseline="0" dirty="0">
+                <a:ln>
+                  <a:noFill/>
+                </a:ln>
+                <a:solidFill>
+                  <a:schemeClr val="tx1"/>
+                </a:solidFill>
+                <a:effectLst/>
+                <a:latin typeface="+mj-lt"/>
+              </a:rPr>
+              <a:t>earning rate: 0.0008, </a:t>
+            </a:r>
+            <a:r>
+              <a:rPr kumimoji="0" lang="de-DE" altLang="de-DE" b="0" i="0" u="none" strike="noStrike" cap="none" normalizeH="0" baseline="0" dirty="0" err="1">
+                <a:ln>
+                  <a:noFill/>
+                </a:ln>
+                <a:solidFill>
+                  <a:schemeClr val="tx1"/>
+                </a:solidFill>
+                <a:effectLst/>
+                <a:latin typeface="+mj-lt"/>
+              </a:rPr>
+              <a:t>Epochs</a:t>
+            </a:r>
+            <a:r>
+              <a:rPr kumimoji="0" lang="de-DE" altLang="de-DE" b="0" i="0" u="none" strike="noStrike" cap="none" normalizeH="0" baseline="0" dirty="0">
+                <a:ln>
+                  <a:noFill/>
+                </a:ln>
+                <a:solidFill>
+                  <a:schemeClr val="tx1"/>
+                </a:solidFill>
+                <a:effectLst/>
+                <a:latin typeface="+mj-lt"/>
+              </a:rPr>
+              <a:t>: 50 </a:t>
+            </a:r>
+          </a:p>
+        </p:txBody>
+      </p:sp>
     </p:spTree>
     <p:extLst>
       <p:ext uri="{BB962C8B-B14F-4D97-AF65-F5344CB8AC3E}">
@@ -11647,6 +11851,148 @@
           </a:xfrm>
         </p:spPr>
       </p:pic>
+      <p:sp>
+        <p:nvSpPr>
+          <p:cNvPr id="3" name="Rectangle 1">
+            <a:extLst>
+              <a:ext uri="{FF2B5EF4-FFF2-40B4-BE49-F238E27FC236}">
+                <a16:creationId xmlns:a16="http://schemas.microsoft.com/office/drawing/2014/main" id="{DC7D5CDA-5B79-08BE-2BEE-964AADA22C5F}"/>
+              </a:ext>
+            </a:extLst>
+          </p:cNvPr>
+          <p:cNvSpPr>
+            <a:spLocks noChangeArrowheads="1"/>
+          </p:cNvSpPr>
+          <p:nvPr/>
+        </p:nvSpPr>
+        <p:spPr bwMode="auto">
+          <a:xfrm>
+            <a:off x="371474" y="859392"/>
+            <a:ext cx="6635150" cy="369332"/>
+          </a:xfrm>
+          <a:prstGeom prst="rect">
+            <a:avLst/>
+          </a:prstGeom>
+          <a:noFill/>
+          <a:ln>
+            <a:noFill/>
+          </a:ln>
+          <a:effectLst/>
+          <a:extLst>
+            <a:ext uri="{909E8E84-426E-40DD-AFC4-6F175D3DCCD1}">
+              <a14:hiddenFill xmlns:a14="http://schemas.microsoft.com/office/drawing/2010/main">
+                <a:solidFill>
+                  <a:schemeClr val="accent1"/>
+                </a:solidFill>
+              </a14:hiddenFill>
+            </a:ext>
+            <a:ext uri="{91240B29-F687-4F45-9708-019B960494DF}">
+              <a14:hiddenLine xmlns:a14="http://schemas.microsoft.com/office/drawing/2010/main" w="9525">
+                <a:solidFill>
+                  <a:schemeClr val="tx1"/>
+                </a:solidFill>
+                <a:miter lim="800000"/>
+                <a:headEnd/>
+                <a:tailEnd/>
+              </a14:hiddenLine>
+            </a:ext>
+            <a:ext uri="{AF507438-7753-43E0-B8FC-AC1667EBCBE1}">
+              <a14:hiddenEffects xmlns:a14="http://schemas.microsoft.com/office/drawing/2010/main">
+                <a:effectLst>
+                  <a:outerShdw dist="35921" dir="2700000" algn="ctr" rotWithShape="0">
+                    <a:schemeClr val="bg2"/>
+                  </a:outerShdw>
+                </a:effectLst>
+              </a14:hiddenEffects>
+            </a:ext>
+          </a:extLst>
+        </p:spPr>
+        <p:txBody>
+          <a:bodyPr vert="horz" wrap="none" lIns="91440" tIns="45720" rIns="91440" bIns="45720" numCol="1" anchor="ctr" anchorCtr="0" compatLnSpc="1">
+            <a:prstTxWarp prst="textNoShape">
+              <a:avLst/>
+            </a:prstTxWarp>
+            <a:spAutoFit/>
+          </a:bodyPr>
+          <a:lstStyle/>
+          <a:p>
+            <a:pPr marL="0" marR="0" lvl="0" indent="0" algn="l" defTabSz="914400" rtl="0" eaLnBrk="0" fontAlgn="base" latinLnBrk="0" hangingPunct="0">
+              <a:lnSpc>
+                <a:spcPct val="100000"/>
+              </a:lnSpc>
+              <a:spcBef>
+                <a:spcPct val="0"/>
+              </a:spcBef>
+              <a:spcAft>
+                <a:spcPct val="0"/>
+              </a:spcAft>
+              <a:buClrTx/>
+              <a:buSzTx/>
+              <a:buFontTx/>
+              <a:buNone/>
+              <a:tabLst/>
+            </a:pPr>
+            <a:r>
+              <a:rPr kumimoji="0" lang="de-DE" altLang="de-DE" b="0" i="0" u="none" strike="noStrike" cap="none" normalizeH="0" baseline="0" dirty="0">
+                <a:ln>
+                  <a:noFill/>
+                </a:ln>
+                <a:solidFill>
+                  <a:schemeClr val="tx1"/>
+                </a:solidFill>
+                <a:effectLst/>
+                <a:latin typeface="+mj-lt"/>
+              </a:rPr>
+              <a:t>Batch </a:t>
+            </a:r>
+            <a:r>
+              <a:rPr kumimoji="0" lang="de-DE" altLang="de-DE" b="0" i="0" u="none" strike="noStrike" cap="none" normalizeH="0" baseline="0" dirty="0" err="1">
+                <a:ln>
+                  <a:noFill/>
+                </a:ln>
+                <a:solidFill>
+                  <a:schemeClr val="tx1"/>
+                </a:solidFill>
+                <a:effectLst/>
+                <a:latin typeface="+mj-lt"/>
+              </a:rPr>
+              <a:t>size</a:t>
+            </a:r>
+            <a:r>
+              <a:rPr kumimoji="0" lang="de-DE" altLang="de-DE" b="0" i="0" u="none" strike="noStrike" cap="none" normalizeH="0" baseline="0" dirty="0">
+                <a:ln>
+                  <a:noFill/>
+                </a:ln>
+                <a:solidFill>
+                  <a:schemeClr val="tx1"/>
+                </a:solidFill>
+                <a:effectLst/>
+                <a:latin typeface="+mj-lt"/>
+              </a:rPr>
+              <a:t>: 64, Drop out: 0.2, Learning rate: 0.001, </a:t>
+            </a:r>
+            <a:r>
+              <a:rPr lang="de-DE" altLang="de-DE" dirty="0" err="1">
+                <a:latin typeface="+mj-lt"/>
+              </a:rPr>
+              <a:t>Epochs</a:t>
+            </a:r>
+            <a:r>
+              <a:rPr kumimoji="0" lang="de-DE" altLang="de-DE" b="0" i="0" u="none" strike="noStrike" cap="none" normalizeH="0" baseline="0" dirty="0">
+                <a:ln>
+                  <a:noFill/>
+                </a:ln>
+                <a:solidFill>
+                  <a:schemeClr val="tx1"/>
+                </a:solidFill>
+                <a:effectLst/>
+                <a:latin typeface="+mj-lt"/>
+              </a:rPr>
+              <a:t>: 50 </a:t>
+            </a:r>
+          </a:p>
+        </p:txBody>
+      </p:sp>
     </p:spTree>
     <p:extLst>
       <p:ext uri="{BB962C8B-B14F-4D97-AF65-F5344CB8AC3E}">
@@ -11822,6 +12168,246 @@
           </a:p>
         </p:txBody>
       </p:sp>
+      <p:pic>
+        <p:nvPicPr>
+          <p:cNvPr id="3" name="Grafik 2">
+            <a:extLst>
+              <a:ext uri="{FF2B5EF4-FFF2-40B4-BE49-F238E27FC236}">
+                <a16:creationId xmlns:a16="http://schemas.microsoft.com/office/drawing/2014/main" id="{B76C2CDD-E6F9-275C-0996-51F40FCAF2C0}"/>
+              </a:ext>
+            </a:extLst>
+          </p:cNvPr>
+          <p:cNvPicPr>
+            <a:picLocks noChangeAspect="1"/>
+          </p:cNvPicPr>
+          <p:nvPr/>
+        </p:nvPicPr>
+        <p:blipFill>
+          <a:blip r:embed="rId2"/>
+          <a:stretch>
+            <a:fillRect/>
+          </a:stretch>
+        </p:blipFill>
+        <p:spPr>
+          <a:xfrm>
+            <a:off x="1387474" y="1459154"/>
+            <a:ext cx="2133600" cy="2133600"/>
+          </a:xfrm>
+          <a:prstGeom prst="rect">
+            <a:avLst/>
+          </a:prstGeom>
+        </p:spPr>
+      </p:pic>
+      <p:pic>
+        <p:nvPicPr>
+          <p:cNvPr id="8" name="Grafik 7">
+            <a:extLst>
+              <a:ext uri="{FF2B5EF4-FFF2-40B4-BE49-F238E27FC236}">
+                <a16:creationId xmlns:a16="http://schemas.microsoft.com/office/drawing/2014/main" id="{0966CCC9-F2F8-6795-A869-9990B430E312}"/>
+              </a:ext>
+            </a:extLst>
+          </p:cNvPr>
+          <p:cNvPicPr>
+            <a:picLocks noChangeAspect="1"/>
+          </p:cNvPicPr>
+          <p:nvPr/>
+        </p:nvPicPr>
+        <p:blipFill>
+          <a:blip r:embed="rId3"/>
+          <a:stretch>
+            <a:fillRect/>
+          </a:stretch>
+        </p:blipFill>
+        <p:spPr>
+          <a:xfrm>
+            <a:off x="3886200" y="1469422"/>
+            <a:ext cx="2133600" cy="2133600"/>
+          </a:xfrm>
+          <a:prstGeom prst="rect">
+            <a:avLst/>
+          </a:prstGeom>
+        </p:spPr>
+      </p:pic>
+      <p:pic>
+        <p:nvPicPr>
+          <p:cNvPr id="9" name="Grafik 8">
+            <a:extLst>
+              <a:ext uri="{FF2B5EF4-FFF2-40B4-BE49-F238E27FC236}">
+                <a16:creationId xmlns:a16="http://schemas.microsoft.com/office/drawing/2014/main" id="{16DEF52F-8D16-E83F-9FE3-19361B57C6AB}"/>
+              </a:ext>
+            </a:extLst>
+          </p:cNvPr>
+          <p:cNvPicPr>
+            <a:picLocks noChangeAspect="1"/>
+          </p:cNvPicPr>
+          <p:nvPr/>
+        </p:nvPicPr>
+        <p:blipFill>
+          <a:blip r:embed="rId4"/>
+          <a:stretch>
+            <a:fillRect/>
+          </a:stretch>
+        </p:blipFill>
+        <p:spPr>
+          <a:xfrm>
+            <a:off x="6384926" y="1469422"/>
+            <a:ext cx="2133600" cy="2133600"/>
+          </a:xfrm>
+          <a:prstGeom prst="rect">
+            <a:avLst/>
+          </a:prstGeom>
+        </p:spPr>
+      </p:pic>
+      <p:pic>
+        <p:nvPicPr>
+          <p:cNvPr id="10" name="Grafik 9">
+            <a:extLst>
+              <a:ext uri="{FF2B5EF4-FFF2-40B4-BE49-F238E27FC236}">
+                <a16:creationId xmlns:a16="http://schemas.microsoft.com/office/drawing/2014/main" id="{0A78C049-19B3-8256-7858-924772DF9BD0}"/>
+              </a:ext>
+            </a:extLst>
+          </p:cNvPr>
+          <p:cNvPicPr>
+            <a:picLocks noChangeAspect="1"/>
+          </p:cNvPicPr>
+          <p:nvPr/>
+        </p:nvPicPr>
+        <p:blipFill>
+          <a:blip r:embed="rId5"/>
+          <a:stretch>
+            <a:fillRect/>
+          </a:stretch>
+        </p:blipFill>
+        <p:spPr>
+          <a:xfrm>
+            <a:off x="8883652" y="1469422"/>
+            <a:ext cx="2133600" cy="2133600"/>
+          </a:xfrm>
+          <a:prstGeom prst="rect">
+            <a:avLst/>
+          </a:prstGeom>
+        </p:spPr>
+      </p:pic>
+      <p:pic>
+        <p:nvPicPr>
+          <p:cNvPr id="11" name="Grafik 10">
+            <a:extLst>
+              <a:ext uri="{FF2B5EF4-FFF2-40B4-BE49-F238E27FC236}">
+                <a16:creationId xmlns:a16="http://schemas.microsoft.com/office/drawing/2014/main" id="{BA863017-10E5-FC64-B934-01A6D355C295}"/>
+              </a:ext>
+            </a:extLst>
+          </p:cNvPr>
+          <p:cNvPicPr>
+            <a:picLocks noChangeAspect="1"/>
+          </p:cNvPicPr>
+          <p:nvPr/>
+        </p:nvPicPr>
+        <p:blipFill>
+          <a:blip r:embed="rId6"/>
+          <a:stretch>
+            <a:fillRect/>
+          </a:stretch>
+        </p:blipFill>
+        <p:spPr>
+          <a:xfrm>
+            <a:off x="1387474" y="3948275"/>
+            <a:ext cx="2133600" cy="2133600"/>
+          </a:xfrm>
+          <a:prstGeom prst="rect">
+            <a:avLst/>
+          </a:prstGeom>
+        </p:spPr>
+      </p:pic>
+      <p:pic>
+        <p:nvPicPr>
+          <p:cNvPr id="12" name="Grafik 11">
+            <a:extLst>
+              <a:ext uri="{FF2B5EF4-FFF2-40B4-BE49-F238E27FC236}">
+                <a16:creationId xmlns:a16="http://schemas.microsoft.com/office/drawing/2014/main" id="{9794788F-7F3B-BE43-A1F5-30E4EFC466C4}"/>
+              </a:ext>
+            </a:extLst>
+          </p:cNvPr>
+          <p:cNvPicPr>
+            <a:picLocks noChangeAspect="1"/>
+          </p:cNvPicPr>
+          <p:nvPr/>
+        </p:nvPicPr>
+        <p:blipFill>
+          <a:blip r:embed="rId7"/>
+          <a:stretch>
+            <a:fillRect/>
+          </a:stretch>
+        </p:blipFill>
+        <p:spPr>
+          <a:xfrm>
+            <a:off x="3886200" y="3948275"/>
+            <a:ext cx="2133600" cy="2133600"/>
+          </a:xfrm>
+          <a:prstGeom prst="rect">
+            <a:avLst/>
+          </a:prstGeom>
+        </p:spPr>
+      </p:pic>
+      <p:pic>
+        <p:nvPicPr>
+          <p:cNvPr id="13" name="Grafik 12">
+            <a:extLst>
+              <a:ext uri="{FF2B5EF4-FFF2-40B4-BE49-F238E27FC236}">
+                <a16:creationId xmlns:a16="http://schemas.microsoft.com/office/drawing/2014/main" id="{5ED1EC6A-67C4-2CA4-DE6E-0C467C14CEB7}"/>
+              </a:ext>
+            </a:extLst>
+          </p:cNvPr>
+          <p:cNvPicPr>
+            <a:picLocks noChangeAspect="1"/>
+          </p:cNvPicPr>
+          <p:nvPr/>
+        </p:nvPicPr>
+        <p:blipFill>
+          <a:blip r:embed="rId8"/>
+          <a:stretch>
+            <a:fillRect/>
+          </a:stretch>
+        </p:blipFill>
+        <p:spPr>
+          <a:xfrm>
+            <a:off x="6384926" y="3948275"/>
+            <a:ext cx="2133600" cy="2133600"/>
+          </a:xfrm>
+          <a:prstGeom prst="rect">
+            <a:avLst/>
+          </a:prstGeom>
+        </p:spPr>
+      </p:pic>
+      <p:pic>
+        <p:nvPicPr>
+          <p:cNvPr id="14" name="Grafik 13">
+            <a:extLst>
+              <a:ext uri="{FF2B5EF4-FFF2-40B4-BE49-F238E27FC236}">
+                <a16:creationId xmlns:a16="http://schemas.microsoft.com/office/drawing/2014/main" id="{F5943B07-FBDE-B645-1DE0-41580DE023EB}"/>
+              </a:ext>
+            </a:extLst>
+          </p:cNvPr>
+          <p:cNvPicPr>
+            <a:picLocks noChangeAspect="1"/>
+          </p:cNvPicPr>
+          <p:nvPr/>
+        </p:nvPicPr>
+        <p:blipFill>
+          <a:blip r:embed="rId9"/>
+          <a:stretch>
+            <a:fillRect/>
+          </a:stretch>
+        </p:blipFill>
+        <p:spPr>
+          <a:xfrm>
+            <a:off x="8883652" y="3973071"/>
+            <a:ext cx="2133600" cy="2133600"/>
+          </a:xfrm>
+          <a:prstGeom prst="rect">
+            <a:avLst/>
+          </a:prstGeom>
+        </p:spPr>
+      </p:pic>
     </p:spTree>
     <p:extLst>
       <p:ext uri="{BB962C8B-B14F-4D97-AF65-F5344CB8AC3E}">
@@ -12456,6 +13042,217 @@
           </a:prstGeom>
         </p:spPr>
       </p:pic>
+      <p:sp>
+        <p:nvSpPr>
+          <p:cNvPr id="3" name="Rectangle 1">
+            <a:extLst>
+              <a:ext uri="{FF2B5EF4-FFF2-40B4-BE49-F238E27FC236}">
+                <a16:creationId xmlns:a16="http://schemas.microsoft.com/office/drawing/2014/main" id="{622173EA-AEC7-ED19-C852-0432F1C5664C}"/>
+              </a:ext>
+            </a:extLst>
+          </p:cNvPr>
+          <p:cNvSpPr>
+            <a:spLocks noChangeArrowheads="1"/>
+          </p:cNvSpPr>
+          <p:nvPr/>
+        </p:nvSpPr>
+        <p:spPr bwMode="auto">
+          <a:xfrm>
+            <a:off x="323704" y="866694"/>
+            <a:ext cx="6891630" cy="369332"/>
+          </a:xfrm>
+          <a:prstGeom prst="rect">
+            <a:avLst/>
+          </a:prstGeom>
+          <a:noFill/>
+          <a:ln>
+            <a:noFill/>
+          </a:ln>
+          <a:effectLst/>
+          <a:extLst>
+            <a:ext uri="{909E8E84-426E-40DD-AFC4-6F175D3DCCD1}">
+              <a14:hiddenFill xmlns:a14="http://schemas.microsoft.com/office/drawing/2010/main">
+                <a:solidFill>
+                  <a:schemeClr val="accent1"/>
+                </a:solidFill>
+              </a14:hiddenFill>
+            </a:ext>
+            <a:ext uri="{91240B29-F687-4F45-9708-019B960494DF}">
+              <a14:hiddenLine xmlns:a14="http://schemas.microsoft.com/office/drawing/2010/main" w="9525">
+                <a:solidFill>
+                  <a:schemeClr val="tx1"/>
+                </a:solidFill>
+                <a:miter lim="800000"/>
+                <a:headEnd/>
+                <a:tailEnd/>
+              </a14:hiddenLine>
+            </a:ext>
+            <a:ext uri="{AF507438-7753-43E0-B8FC-AC1667EBCBE1}">
+              <a14:hiddenEffects xmlns:a14="http://schemas.microsoft.com/office/drawing/2010/main">
+                <a:effectLst>
+                  <a:outerShdw dist="35921" dir="2700000" algn="ctr" rotWithShape="0">
+                    <a:schemeClr val="bg2"/>
+                  </a:outerShdw>
+                </a:effectLst>
+              </a14:hiddenEffects>
+            </a:ext>
+          </a:extLst>
+        </p:spPr>
+        <p:txBody>
+          <a:bodyPr vert="horz" wrap="none" lIns="91440" tIns="45720" rIns="91440" bIns="45720" numCol="1" anchor="ctr" anchorCtr="0" compatLnSpc="1">
+            <a:prstTxWarp prst="textNoShape">
+              <a:avLst/>
+            </a:prstTxWarp>
+            <a:spAutoFit/>
+          </a:bodyPr>
+          <a:lstStyle/>
+          <a:p>
+            <a:pPr marL="0" marR="0" lvl="0" indent="0" algn="l" defTabSz="914400" rtl="0" eaLnBrk="0" fontAlgn="base" latinLnBrk="0" hangingPunct="0">
+              <a:lnSpc>
+                <a:spcPct val="100000"/>
+              </a:lnSpc>
+              <a:spcBef>
+                <a:spcPct val="0"/>
+              </a:spcBef>
+              <a:spcAft>
+                <a:spcPct val="0"/>
+              </a:spcAft>
+              <a:buClrTx/>
+              <a:buSzTx/>
+              <a:buFontTx/>
+              <a:buNone/>
+              <a:tabLst/>
+            </a:pPr>
+            <a:r>
+              <a:rPr lang="de-DE" altLang="de-DE" dirty="0">
+                <a:latin typeface="+mj-lt"/>
+              </a:rPr>
+              <a:t>B</a:t>
+            </a:r>
+            <a:r>
+              <a:rPr kumimoji="0" lang="de-DE" altLang="de-DE" b="0" i="0" u="none" strike="noStrike" cap="none" normalizeH="0" baseline="0" dirty="0">
+                <a:ln>
+                  <a:noFill/>
+                </a:ln>
+                <a:solidFill>
+                  <a:schemeClr val="tx1"/>
+                </a:solidFill>
+                <a:effectLst/>
+                <a:latin typeface="+mj-lt"/>
+              </a:rPr>
+              <a:t>atch </a:t>
+            </a:r>
+            <a:r>
+              <a:rPr kumimoji="0" lang="de-DE" altLang="de-DE" b="0" i="0" u="none" strike="noStrike" cap="none" normalizeH="0" baseline="0" dirty="0" err="1">
+                <a:ln>
+                  <a:noFill/>
+                </a:ln>
+                <a:solidFill>
+                  <a:schemeClr val="tx1"/>
+                </a:solidFill>
+                <a:effectLst/>
+                <a:latin typeface="+mj-lt"/>
+              </a:rPr>
+              <a:t>size</a:t>
+            </a:r>
+            <a:r>
+              <a:rPr kumimoji="0" lang="de-DE" altLang="de-DE" b="0" i="0" u="none" strike="noStrike" cap="none" normalizeH="0" baseline="0" dirty="0">
+                <a:ln>
+                  <a:noFill/>
+                </a:ln>
+                <a:solidFill>
+                  <a:schemeClr val="tx1"/>
+                </a:solidFill>
+                <a:effectLst/>
+                <a:latin typeface="+mj-lt"/>
+              </a:rPr>
+              <a:t>: 64, </a:t>
+            </a:r>
+            <a:r>
+              <a:rPr lang="de-DE" altLang="de-DE" dirty="0">
+                <a:latin typeface="+mj-lt"/>
+              </a:rPr>
+              <a:t>D</a:t>
+            </a:r>
+            <a:r>
+              <a:rPr kumimoji="0" lang="de-DE" altLang="de-DE" b="0" i="0" u="none" strike="noStrike" cap="none" normalizeH="0" baseline="0" dirty="0">
+                <a:ln>
+                  <a:noFill/>
+                </a:ln>
+                <a:solidFill>
+                  <a:schemeClr val="tx1"/>
+                </a:solidFill>
+                <a:effectLst/>
+                <a:latin typeface="+mj-lt"/>
+              </a:rPr>
+              <a:t>rop</a:t>
+            </a:r>
+            <a:r>
+              <a:rPr lang="de-DE" altLang="de-DE" dirty="0">
+                <a:latin typeface="+mj-lt"/>
+              </a:rPr>
+              <a:t> </a:t>
+            </a:r>
+            <a:r>
+              <a:rPr kumimoji="0" lang="de-DE" altLang="de-DE" b="0" i="0" u="none" strike="noStrike" cap="none" normalizeH="0" baseline="0" dirty="0">
+                <a:ln>
+                  <a:noFill/>
+                </a:ln>
+                <a:solidFill>
+                  <a:schemeClr val="tx1"/>
+                </a:solidFill>
+                <a:effectLst/>
+                <a:latin typeface="+mj-lt"/>
+              </a:rPr>
+              <a:t>out: 0.3,  </a:t>
+            </a:r>
+            <a:r>
+              <a:rPr lang="de-DE" altLang="de-DE" dirty="0">
+                <a:latin typeface="+mj-lt"/>
+              </a:rPr>
+              <a:t>L</a:t>
+            </a:r>
+            <a:r>
+              <a:rPr kumimoji="0" lang="de-DE" altLang="de-DE" b="0" i="0" u="none" strike="noStrike" cap="none" normalizeH="0" baseline="0" dirty="0">
+                <a:ln>
+                  <a:noFill/>
+                </a:ln>
+                <a:solidFill>
+                  <a:schemeClr val="tx1"/>
+                </a:solidFill>
+                <a:effectLst/>
+                <a:latin typeface="+mj-lt"/>
+              </a:rPr>
+              <a:t>earning rate: 0.0001,</a:t>
+            </a:r>
+            <a:r>
+              <a:rPr lang="de-DE" altLang="de-DE" dirty="0">
+                <a:latin typeface="+mj-lt"/>
+              </a:rPr>
+              <a:t> </a:t>
+            </a:r>
+            <a:r>
+              <a:rPr lang="de-DE" altLang="de-DE" dirty="0" err="1">
+                <a:latin typeface="+mj-lt"/>
+              </a:rPr>
+              <a:t>Epochs</a:t>
+            </a:r>
+            <a:r>
+              <a:rPr kumimoji="0" lang="de-DE" altLang="de-DE" b="0" i="0" u="none" strike="noStrike" cap="none" normalizeH="0" baseline="0" dirty="0">
+                <a:ln>
+                  <a:noFill/>
+                </a:ln>
+                <a:solidFill>
+                  <a:schemeClr val="tx1"/>
+                </a:solidFill>
+                <a:effectLst/>
+                <a:latin typeface="+mj-lt"/>
+              </a:rPr>
+              <a:t>: 50 </a:t>
+            </a:r>
+          </a:p>
+        </p:txBody>
+      </p:sp>
     </p:spTree>
     <p:extLst>
       <p:ext uri="{BB962C8B-B14F-4D97-AF65-F5344CB8AC3E}">
@@ -13396,24 +14193,27 @@
               <a:buChar char="•"/>
             </a:pPr>
             <a:r>
-              <a:rPr lang="de-DE" dirty="0"/>
-              <a:t>Early </a:t>
-            </a:r>
-            <a:r>
-              <a:rPr lang="de-DE" dirty="0" err="1"/>
-              <a:t>Stopping</a:t>
-            </a:r>
-            <a:r>
-              <a:rPr lang="de-DE" dirty="0"/>
-              <a:t>, </a:t>
-            </a:r>
-            <a:r>
-              <a:rPr lang="de-DE" dirty="0" err="1"/>
-              <a:t>drop</a:t>
-            </a:r>
-            <a:r>
-              <a:rPr lang="de-DE" dirty="0"/>
-              <a:t> out rate, </a:t>
+              <a:rPr lang="en-US" dirty="0"/>
+              <a:t>Early Stopping: Due to overfitting and low generalization </a:t>
+            </a:r>
+            <a:r>
+              <a:rPr lang="en-US" dirty="0">
+                <a:sym typeface="Wingdings" panose="05000000000000000000" pitchFamily="2" charset="2"/>
+              </a:rPr>
+              <a:t> patience value should be improved</a:t>
+            </a:r>
+          </a:p>
+          <a:p>
+            <a:endParaRPr lang="de-DE" dirty="0"/>
+          </a:p>
+          <a:p>
+            <a:pPr marL="457200" indent="-457200">
+              <a:buFont typeface="Arial" panose="020B0604020202020204" pitchFamily="34" charset="0"/>
+              <a:buChar char="•"/>
+            </a:pPr>
+            <a:r>
+              <a:rPr lang="de-DE" dirty="0"/>
+              <a:t>Drop out rate, </a:t>
             </a:r>
             <a:r>
               <a:rPr lang="de-DE" dirty="0" err="1"/>
@@ -13429,15 +14229,7 @@
             </a:r>
             <a:r>
               <a:rPr lang="de-DE" dirty="0"/>
-              <a:t>, </a:t>
-            </a:r>
-            <a:r>
-              <a:rPr lang="de-DE" dirty="0" err="1"/>
-              <a:t>learning</a:t>
-            </a:r>
-            <a:r>
-              <a:rPr lang="de-DE" dirty="0"/>
-              <a:t> rate </a:t>
+              <a:t>, Learning rate </a:t>
             </a:r>
             <a:r>
               <a:rPr lang="de-DE" dirty="0" err="1"/>

--- a/Presentation/pres.pptx
+++ b/Presentation/pres.pptx
@@ -5,10 +5,10 @@
     <p:sldMasterId id="2147483648" r:id="rId1"/>
   </p:sldMasterIdLst>
   <p:notesMasterIdLst>
-    <p:notesMasterId r:id="rId37"/>
+    <p:notesMasterId r:id="rId38"/>
   </p:notesMasterIdLst>
   <p:handoutMasterIdLst>
-    <p:handoutMasterId r:id="rId38"/>
+    <p:handoutMasterId r:id="rId39"/>
   </p:handoutMasterIdLst>
   <p:sldIdLst>
     <p:sldId id="256" r:id="rId2"/>
@@ -43,9 +43,10 @@
     <p:sldId id="299" r:id="rId31"/>
     <p:sldId id="295" r:id="rId32"/>
     <p:sldId id="296" r:id="rId33"/>
-    <p:sldId id="280" r:id="rId34"/>
-    <p:sldId id="300" r:id="rId35"/>
-    <p:sldId id="279" r:id="rId36"/>
+    <p:sldId id="301" r:id="rId34"/>
+    <p:sldId id="280" r:id="rId35"/>
+    <p:sldId id="300" r:id="rId36"/>
+    <p:sldId id="279" r:id="rId37"/>
   </p:sldIdLst>
   <p:sldSz cx="12192000" cy="6858000"/>
   <p:notesSz cx="6858000" cy="9144000"/>
@@ -249,7 +250,7 @@
           <a:p>
             <a:fld id="{5D634CDC-2FDF-4C1B-8C8F-397BA5B2D9C2}" type="datetimeFigureOut">
               <a:rPr lang="de-DE" smtClean="0"/>
-              <a:t>14.01.2025</a:t>
+              <a:t>15.01.2025</a:t>
             </a:fld>
             <a:endParaRPr lang="de-DE"/>
           </a:p>
@@ -426,7 +427,7 @@
           <a:p>
             <a:fld id="{41D9D135-AC5D-412D-9E0E-623545EAE33D}" type="datetimeFigureOut">
               <a:rPr lang="de-DE" smtClean="0"/>
-              <a:t>14.01.2025</a:t>
+              <a:t>15.01.2025</a:t>
             </a:fld>
             <a:endParaRPr lang="de-DE"/>
           </a:p>
@@ -768,6 +769,114 @@
     <p:extLst>
       <p:ext uri="{BB962C8B-B14F-4D97-AF65-F5344CB8AC3E}">
         <p14:creationId xmlns:p14="http://schemas.microsoft.com/office/powerpoint/2010/main" val="1141652335"/>
+      </p:ext>
+    </p:extLst>
+  </p:cSld>
+  <p:clrMapOvr>
+    <a:masterClrMapping/>
+  </p:clrMapOvr>
+</p:notes>
+</file>
+
+<file path=ppt/notesSlides/notesSlide2.xml><?xml version="1.0" encoding="utf-8"?>
+<p:notes xmlns:a="http://schemas.openxmlformats.org/drawingml/2006/main" xmlns:r="http://schemas.openxmlformats.org/officeDocument/2006/relationships" xmlns:p="http://schemas.openxmlformats.org/presentationml/2006/main">
+  <p:cSld>
+    <p:spTree>
+      <p:nvGrpSpPr>
+        <p:cNvPr id="1" name="">
+          <a:extLst>
+            <a:ext uri="{FF2B5EF4-FFF2-40B4-BE49-F238E27FC236}">
+              <a16:creationId xmlns:a16="http://schemas.microsoft.com/office/drawing/2014/main" id="{3954DE20-88B4-C005-F8A4-22D8AEEAA27A}"/>
+            </a:ext>
+          </a:extLst>
+        </p:cNvPr>
+        <p:cNvGrpSpPr/>
+        <p:nvPr/>
+      </p:nvGrpSpPr>
+      <p:grpSpPr>
+        <a:xfrm>
+          <a:off x="0" y="0"/>
+          <a:ext cx="0" cy="0"/>
+          <a:chOff x="0" y="0"/>
+          <a:chExt cx="0" cy="0"/>
+        </a:xfrm>
+      </p:grpSpPr>
+      <p:sp>
+        <p:nvSpPr>
+          <p:cNvPr id="2" name="Folienbildplatzhalter 1">
+            <a:extLst>
+              <a:ext uri="{FF2B5EF4-FFF2-40B4-BE49-F238E27FC236}">
+                <a16:creationId xmlns:a16="http://schemas.microsoft.com/office/drawing/2014/main" id="{DA3949C2-35A0-5879-FE44-69CB2F09FFDE}"/>
+              </a:ext>
+            </a:extLst>
+          </p:cNvPr>
+          <p:cNvSpPr>
+            <a:spLocks noGrp="1" noRot="1" noChangeAspect="1"/>
+          </p:cNvSpPr>
+          <p:nvPr>
+            <p:ph type="sldImg"/>
+          </p:nvPr>
+        </p:nvSpPr>
+        <p:spPr/>
+      </p:sp>
+      <p:sp>
+        <p:nvSpPr>
+          <p:cNvPr id="3" name="Notizenplatzhalter 2">
+            <a:extLst>
+              <a:ext uri="{FF2B5EF4-FFF2-40B4-BE49-F238E27FC236}">
+                <a16:creationId xmlns:a16="http://schemas.microsoft.com/office/drawing/2014/main" id="{9F0461AC-37BB-8A53-6504-F4349AE12EFC}"/>
+              </a:ext>
+            </a:extLst>
+          </p:cNvPr>
+          <p:cNvSpPr>
+            <a:spLocks noGrp="1"/>
+          </p:cNvSpPr>
+          <p:nvPr>
+            <p:ph type="body" idx="1"/>
+          </p:nvPr>
+        </p:nvSpPr>
+        <p:spPr/>
+        <p:txBody>
+          <a:bodyPr/>
+          <a:lstStyle/>
+          <a:p>
+            <a:endParaRPr lang="de-DE"/>
+          </a:p>
+        </p:txBody>
+      </p:sp>
+      <p:sp>
+        <p:nvSpPr>
+          <p:cNvPr id="4" name="Foliennummernplatzhalter 3">
+            <a:extLst>
+              <a:ext uri="{FF2B5EF4-FFF2-40B4-BE49-F238E27FC236}">
+                <a16:creationId xmlns:a16="http://schemas.microsoft.com/office/drawing/2014/main" id="{81699F67-1A52-0675-BA9D-921456836FA7}"/>
+              </a:ext>
+            </a:extLst>
+          </p:cNvPr>
+          <p:cNvSpPr>
+            <a:spLocks noGrp="1"/>
+          </p:cNvSpPr>
+          <p:nvPr>
+            <p:ph type="sldNum" sz="quarter" idx="5"/>
+          </p:nvPr>
+        </p:nvSpPr>
+        <p:spPr/>
+        <p:txBody>
+          <a:bodyPr/>
+          <a:lstStyle/>
+          <a:p>
+            <a:fld id="{4A2621F5-529A-4D54-A085-69F194259C1B}" type="slidenum">
+              <a:rPr lang="de-DE" smtClean="0"/>
+              <a:t>33</a:t>
+            </a:fld>
+            <a:endParaRPr lang="de-DE"/>
+          </a:p>
+        </p:txBody>
+      </p:sp>
+    </p:spTree>
+    <p:extLst>
+      <p:ext uri="{BB962C8B-B14F-4D97-AF65-F5344CB8AC3E}">
+        <p14:creationId xmlns:p14="http://schemas.microsoft.com/office/powerpoint/2010/main" val="3389104977"/>
       </p:ext>
     </p:extLst>
   </p:cSld>
@@ -13716,6 +13825,197 @@
         <p:cNvPr id="1" name="">
           <a:extLst>
             <a:ext uri="{FF2B5EF4-FFF2-40B4-BE49-F238E27FC236}">
+              <a16:creationId xmlns:a16="http://schemas.microsoft.com/office/drawing/2014/main" id="{A9EB9FC3-9140-61DD-4E9A-755BBBB45793}"/>
+            </a:ext>
+          </a:extLst>
+        </p:cNvPr>
+        <p:cNvGrpSpPr/>
+        <p:nvPr/>
+      </p:nvGrpSpPr>
+      <p:grpSpPr>
+        <a:xfrm>
+          <a:off x="0" y="0"/>
+          <a:ext cx="0" cy="0"/>
+          <a:chOff x="0" y="0"/>
+          <a:chExt cx="0" cy="0"/>
+        </a:xfrm>
+      </p:grpSpPr>
+      <p:sp>
+        <p:nvSpPr>
+          <p:cNvPr id="2" name="Titel 1">
+            <a:extLst>
+              <a:ext uri="{FF2B5EF4-FFF2-40B4-BE49-F238E27FC236}">
+                <a16:creationId xmlns:a16="http://schemas.microsoft.com/office/drawing/2014/main" id="{C10FDB01-ACBC-8368-DAD7-8FB8B2F215B1}"/>
+              </a:ext>
+            </a:extLst>
+          </p:cNvPr>
+          <p:cNvSpPr>
+            <a:spLocks noGrp="1"/>
+          </p:cNvSpPr>
+          <p:nvPr>
+            <p:ph type="title"/>
+          </p:nvPr>
+        </p:nvSpPr>
+        <p:spPr/>
+        <p:txBody>
+          <a:bodyPr/>
+          <a:lstStyle/>
+          <a:p>
+            <a:r>
+              <a:rPr lang="de-DE" dirty="0"/>
+              <a:t>Ds2 – </a:t>
+            </a:r>
+            <a:r>
+              <a:rPr lang="de-DE" dirty="0" err="1"/>
+              <a:t>VisionTransformer</a:t>
+            </a:r>
+            <a:endParaRPr lang="de-DE" dirty="0"/>
+          </a:p>
+        </p:txBody>
+      </p:sp>
+      <p:sp>
+        <p:nvSpPr>
+          <p:cNvPr id="4" name="Datumsplatzhalter 3">
+            <a:extLst>
+              <a:ext uri="{FF2B5EF4-FFF2-40B4-BE49-F238E27FC236}">
+                <a16:creationId xmlns:a16="http://schemas.microsoft.com/office/drawing/2014/main" id="{73662A3E-1B54-F3E2-B612-221DAF7562D3}"/>
+              </a:ext>
+            </a:extLst>
+          </p:cNvPr>
+          <p:cNvSpPr>
+            <a:spLocks noGrp="1"/>
+          </p:cNvSpPr>
+          <p:nvPr>
+            <p:ph type="dt" sz="half" idx="10"/>
+          </p:nvPr>
+        </p:nvSpPr>
+        <p:spPr/>
+        <p:txBody>
+          <a:bodyPr/>
+          <a:lstStyle/>
+          <a:p>
+            <a:r>
+              <a:rPr lang="de-DE"/>
+              <a:t>Markus Friedrich</a:t>
+            </a:r>
+          </a:p>
+        </p:txBody>
+      </p:sp>
+      <p:sp>
+        <p:nvSpPr>
+          <p:cNvPr id="5" name="Fußzeilenplatzhalter 4">
+            <a:extLst>
+              <a:ext uri="{FF2B5EF4-FFF2-40B4-BE49-F238E27FC236}">
+                <a16:creationId xmlns:a16="http://schemas.microsoft.com/office/drawing/2014/main" id="{510AE667-592B-C8BC-5815-DE8E5F6E79F1}"/>
+              </a:ext>
+            </a:extLst>
+          </p:cNvPr>
+          <p:cNvSpPr>
+            <a:spLocks noGrp="1"/>
+          </p:cNvSpPr>
+          <p:nvPr>
+            <p:ph type="ftr" sz="quarter" idx="11"/>
+          </p:nvPr>
+        </p:nvSpPr>
+        <p:spPr/>
+        <p:txBody>
+          <a:bodyPr/>
+          <a:lstStyle/>
+          <a:p>
+            <a:r>
+              <a:rPr lang="de-DE"/>
+              <a:t>Advanced Deep Learning </a:t>
+            </a:r>
+          </a:p>
+        </p:txBody>
+      </p:sp>
+      <p:sp>
+        <p:nvSpPr>
+          <p:cNvPr id="6" name="Foliennummernplatzhalter 5">
+            <a:extLst>
+              <a:ext uri="{FF2B5EF4-FFF2-40B4-BE49-F238E27FC236}">
+                <a16:creationId xmlns:a16="http://schemas.microsoft.com/office/drawing/2014/main" id="{728037EB-5FD4-3954-2735-0DC97A30F24F}"/>
+              </a:ext>
+            </a:extLst>
+          </p:cNvPr>
+          <p:cNvSpPr>
+            <a:spLocks noGrp="1"/>
+          </p:cNvSpPr>
+          <p:nvPr>
+            <p:ph type="sldNum" sz="quarter" idx="12"/>
+          </p:nvPr>
+        </p:nvSpPr>
+        <p:spPr/>
+        <p:txBody>
+          <a:bodyPr/>
+          <a:lstStyle/>
+          <a:p>
+            <a:fld id="{A13361CF-9A47-4C8C-A01E-566DC0626ACC}" type="slidenum">
+              <a:rPr lang="de-DE" smtClean="0"/>
+              <a:pPr/>
+              <a:t>33</a:t>
+            </a:fld>
+            <a:endParaRPr lang="de-DE"/>
+          </a:p>
+        </p:txBody>
+      </p:sp>
+      <p:pic>
+        <p:nvPicPr>
+          <p:cNvPr id="15" name="Grafik 14" descr="Ein Bild, das Reihe, Diagramm, Text, Screenshot enthält.&#10;&#10;Automatisch generierte Beschreibung">
+            <a:extLst>
+              <a:ext uri="{FF2B5EF4-FFF2-40B4-BE49-F238E27FC236}">
+                <a16:creationId xmlns:a16="http://schemas.microsoft.com/office/drawing/2014/main" id="{23806189-42E8-5DA4-8E33-45ACB39B02DE}"/>
+              </a:ext>
+            </a:extLst>
+          </p:cNvPr>
+          <p:cNvPicPr>
+            <a:picLocks noChangeAspect="1"/>
+          </p:cNvPicPr>
+          <p:nvPr/>
+        </p:nvPicPr>
+        <p:blipFill>
+          <a:blip r:embed="rId3">
+            <a:extLst>
+              <a:ext uri="{28A0092B-C50C-407E-A947-70E740481C1C}">
+                <a14:useLocalDpi xmlns:a14="http://schemas.microsoft.com/office/drawing/2010/main" val="0"/>
+              </a:ext>
+            </a:extLst>
+          </a:blip>
+          <a:stretch>
+            <a:fillRect/>
+          </a:stretch>
+        </p:blipFill>
+        <p:spPr>
+          <a:xfrm>
+            <a:off x="371474" y="1033050"/>
+            <a:ext cx="9973383" cy="4791899"/>
+          </a:xfrm>
+          <a:prstGeom prst="rect">
+            <a:avLst/>
+          </a:prstGeom>
+        </p:spPr>
+      </p:pic>
+    </p:spTree>
+    <p:extLst>
+      <p:ext uri="{BB962C8B-B14F-4D97-AF65-F5344CB8AC3E}">
+        <p14:creationId xmlns:p14="http://schemas.microsoft.com/office/powerpoint/2010/main" val="3675196954"/>
+      </p:ext>
+    </p:extLst>
+  </p:cSld>
+  <p:clrMapOvr>
+    <a:masterClrMapping/>
+  </p:clrMapOvr>
+</p:sld>
+</file>
+
+<file path=ppt/slides/slide34.xml><?xml version="1.0" encoding="utf-8"?>
+<p:sld xmlns:a="http://schemas.openxmlformats.org/drawingml/2006/main" xmlns:r="http://schemas.openxmlformats.org/officeDocument/2006/relationships" xmlns:p="http://schemas.openxmlformats.org/presentationml/2006/main">
+  <p:cSld>
+    <p:spTree>
+      <p:nvGrpSpPr>
+        <p:cNvPr id="1" name="">
+          <a:extLst>
+            <a:ext uri="{FF2B5EF4-FFF2-40B4-BE49-F238E27FC236}">
               <a16:creationId xmlns:a16="http://schemas.microsoft.com/office/drawing/2014/main" id="{35669913-AE1F-590C-A7CD-94746E87F36B}"/>
             </a:ext>
           </a:extLst>
@@ -13861,7 +14161,7 @@
           <a:p>
             <a:fld id="{A13361CF-9A47-4C8C-A01E-566DC0626ACC}" type="slidenum">
               <a:rPr lang="de-DE" smtClean="0"/>
-              <a:t>33</a:t>
+              <a:t>34</a:t>
             </a:fld>
             <a:endParaRPr lang="de-DE"/>
           </a:p>
@@ -13933,7 +14233,7 @@
 </p:sld>
 </file>
 
-<file path=ppt/slides/slide34.xml><?xml version="1.0" encoding="utf-8"?>
+<file path=ppt/slides/slide35.xml><?xml version="1.0" encoding="utf-8"?>
 <p:sld xmlns:a="http://schemas.openxmlformats.org/drawingml/2006/main" xmlns:r="http://schemas.openxmlformats.org/officeDocument/2006/relationships" xmlns:p="http://schemas.openxmlformats.org/presentationml/2006/main">
   <p:cSld>
     <p:spTree>
@@ -14086,7 +14386,7 @@
           <a:p>
             <a:fld id="{A13361CF-9A47-4C8C-A01E-566DC0626ACC}" type="slidenum">
               <a:rPr lang="de-DE" smtClean="0"/>
-              <a:t>34</a:t>
+              <a:t>35</a:t>
             </a:fld>
             <a:endParaRPr lang="de-DE"/>
           </a:p>
@@ -14344,7 +14644,7 @@
 </p:sld>
 </file>
 
-<file path=ppt/slides/slide35.xml><?xml version="1.0" encoding="utf-8"?>
+<file path=ppt/slides/slide36.xml><?xml version="1.0" encoding="utf-8"?>
 <p:sld xmlns:a="http://schemas.openxmlformats.org/drawingml/2006/main" xmlns:r="http://schemas.openxmlformats.org/officeDocument/2006/relationships" xmlns:p="http://schemas.openxmlformats.org/presentationml/2006/main">
   <p:cSld>
     <p:spTree>
@@ -14500,7 +14800,7 @@
           <a:p>
             <a:fld id="{A13361CF-9A47-4C8C-A01E-566DC0626ACC}" type="slidenum">
               <a:rPr lang="de-DE" smtClean="0"/>
-              <a:t>35</a:t>
+              <a:t>36</a:t>
             </a:fld>
             <a:endParaRPr lang="de-DE"/>
           </a:p>

--- a/Presentation/pres.pptx
+++ b/Presentation/pres.pptx
@@ -5,10 +5,10 @@
     <p:sldMasterId id="2147483648" r:id="rId1"/>
   </p:sldMasterIdLst>
   <p:notesMasterIdLst>
-    <p:notesMasterId r:id="rId38"/>
+    <p:notesMasterId r:id="rId39"/>
   </p:notesMasterIdLst>
   <p:handoutMasterIdLst>
-    <p:handoutMasterId r:id="rId39"/>
+    <p:handoutMasterId r:id="rId40"/>
   </p:handoutMasterIdLst>
   <p:sldIdLst>
     <p:sldId id="256" r:id="rId2"/>
@@ -44,9 +44,10 @@
     <p:sldId id="295" r:id="rId32"/>
     <p:sldId id="296" r:id="rId33"/>
     <p:sldId id="301" r:id="rId34"/>
-    <p:sldId id="280" r:id="rId35"/>
-    <p:sldId id="300" r:id="rId36"/>
-    <p:sldId id="279" r:id="rId37"/>
+    <p:sldId id="300" r:id="rId35"/>
+    <p:sldId id="302" r:id="rId36"/>
+    <p:sldId id="280" r:id="rId37"/>
+    <p:sldId id="279" r:id="rId38"/>
   </p:sldIdLst>
   <p:sldSz cx="12192000" cy="6858000"/>
   <p:notesSz cx="6858000" cy="9144000"/>
@@ -7921,7 +7922,7 @@
         </p:blipFill>
         <p:spPr>
           <a:xfrm>
-            <a:off x="1713014" y="1394151"/>
+            <a:off x="1713014" y="1228724"/>
             <a:ext cx="8765969" cy="4795132"/>
           </a:xfrm>
           <a:prstGeom prst="rect">
@@ -8003,31 +8004,6 @@
       </p:sp>
       <p:sp>
         <p:nvSpPr>
-          <p:cNvPr id="10" name="Inhaltsplatzhalter 9">
-            <a:extLst>
-              <a:ext uri="{FF2B5EF4-FFF2-40B4-BE49-F238E27FC236}">
-                <a16:creationId xmlns:a16="http://schemas.microsoft.com/office/drawing/2014/main" id="{66CBD2CE-1DB6-8BFE-9781-6862D708A4D2}"/>
-              </a:ext>
-            </a:extLst>
-          </p:cNvPr>
-          <p:cNvSpPr>
-            <a:spLocks noGrp="1"/>
-          </p:cNvSpPr>
-          <p:nvPr>
-            <p:ph idx="1"/>
-          </p:nvPr>
-        </p:nvSpPr>
-        <p:spPr/>
-        <p:txBody>
-          <a:bodyPr/>
-          <a:lstStyle/>
-          <a:p>
-            <a:endParaRPr lang="de-DE" dirty="0"/>
-          </a:p>
-        </p:txBody>
-      </p:sp>
-      <p:sp>
-        <p:nvSpPr>
           <p:cNvPr id="4" name="Datumsplatzhalter 3">
             <a:extLst>
               <a:ext uri="{FF2B5EF4-FFF2-40B4-BE49-F238E27FC236}">
@@ -8134,7 +8110,7 @@
         </p:blipFill>
         <p:spPr>
           <a:xfrm>
-            <a:off x="838200" y="1365206"/>
+            <a:off x="1099455" y="1365206"/>
             <a:ext cx="2133600" cy="2133600"/>
           </a:xfrm>
           <a:prstGeom prst="rect">
@@ -8164,7 +8140,7 @@
         </p:blipFill>
         <p:spPr>
           <a:xfrm>
-            <a:off x="3426031" y="1365206"/>
+            <a:off x="3687286" y="1365206"/>
             <a:ext cx="2133600" cy="2133600"/>
           </a:xfrm>
           <a:prstGeom prst="rect">
@@ -8194,7 +8170,7 @@
         </p:blipFill>
         <p:spPr>
           <a:xfrm>
-            <a:off x="6013862" y="1365206"/>
+            <a:off x="6275117" y="1365206"/>
             <a:ext cx="2133600" cy="2133600"/>
           </a:xfrm>
           <a:prstGeom prst="rect">
@@ -8224,7 +8200,7 @@
         </p:blipFill>
         <p:spPr>
           <a:xfrm>
-            <a:off x="8601693" y="1365206"/>
+            <a:off x="8862948" y="1365206"/>
             <a:ext cx="2133600" cy="2133600"/>
           </a:xfrm>
           <a:prstGeom prst="rect">
@@ -8254,7 +8230,7 @@
         </p:blipFill>
         <p:spPr>
           <a:xfrm>
-            <a:off x="838200" y="3833281"/>
+            <a:off x="1099455" y="3833281"/>
             <a:ext cx="2133600" cy="2133600"/>
           </a:xfrm>
           <a:prstGeom prst="rect">
@@ -8284,7 +8260,7 @@
         </p:blipFill>
         <p:spPr>
           <a:xfrm>
-            <a:off x="3426031" y="3833281"/>
+            <a:off x="3687286" y="3833281"/>
             <a:ext cx="2133600" cy="2133600"/>
           </a:xfrm>
           <a:prstGeom prst="rect">
@@ -8314,7 +8290,7 @@
         </p:blipFill>
         <p:spPr>
           <a:xfrm>
-            <a:off x="6013862" y="3833281"/>
+            <a:off x="6275117" y="3833281"/>
             <a:ext cx="2133600" cy="2133600"/>
           </a:xfrm>
           <a:prstGeom prst="rect">
@@ -8344,7 +8320,7 @@
         </p:blipFill>
         <p:spPr>
           <a:xfrm>
-            <a:off x="8601693" y="3833281"/>
+            <a:off x="8862948" y="3833281"/>
             <a:ext cx="2133600" cy="2133600"/>
           </a:xfrm>
           <a:prstGeom prst="rect">
@@ -8667,8 +8643,8 @@
           <a:lstStyle/>
           <a:p>
             <a:r>
-              <a:rPr lang="de-DE"/>
-              <a:t>Markus Friedrich</a:t>
+              <a:rPr lang="de-DE" dirty="0"/>
+              <a:t>Anna Reiter, Chiara Perocco</a:t>
             </a:r>
           </a:p>
         </p:txBody>
@@ -8753,8 +8729,8 @@
         </p:blipFill>
         <p:spPr>
           <a:xfrm>
-            <a:off x="1803400" y="1374800"/>
-            <a:ext cx="9107618" cy="4749481"/>
+            <a:off x="1184257" y="1016090"/>
+            <a:ext cx="9823486" cy="5122795"/>
           </a:xfrm>
           <a:prstGeom prst="rect">
             <a:avLst/>
@@ -9231,31 +9207,6 @@
       </p:sp>
       <p:sp>
         <p:nvSpPr>
-          <p:cNvPr id="3" name="Inhaltsplatzhalter 2">
-            <a:extLst>
-              <a:ext uri="{FF2B5EF4-FFF2-40B4-BE49-F238E27FC236}">
-                <a16:creationId xmlns:a16="http://schemas.microsoft.com/office/drawing/2014/main" id="{728B1A80-471C-4193-56F9-B747D4244278}"/>
-              </a:ext>
-            </a:extLst>
-          </p:cNvPr>
-          <p:cNvSpPr>
-            <a:spLocks noGrp="1"/>
-          </p:cNvSpPr>
-          <p:nvPr>
-            <p:ph idx="1"/>
-          </p:nvPr>
-        </p:nvSpPr>
-        <p:spPr/>
-        <p:txBody>
-          <a:bodyPr/>
-          <a:lstStyle/>
-          <a:p>
-            <a:endParaRPr lang="de-DE"/>
-          </a:p>
-        </p:txBody>
-      </p:sp>
-      <p:sp>
-        <p:nvSpPr>
           <p:cNvPr id="4" name="Datumsplatzhalter 3">
             <a:extLst>
               <a:ext uri="{FF2B5EF4-FFF2-40B4-BE49-F238E27FC236}">
@@ -9276,8 +9227,8 @@
           <a:lstStyle/>
           <a:p>
             <a:r>
-              <a:rPr lang="de-DE"/>
-              <a:t>Markus Friedrich</a:t>
+              <a:rPr lang="de-DE" dirty="0"/>
+              <a:t>Anna Reiter, Chiara Perocco</a:t>
             </a:r>
           </a:p>
         </p:txBody>
@@ -9362,7 +9313,7 @@
         </p:blipFill>
         <p:spPr>
           <a:xfrm>
-            <a:off x="838200" y="1347779"/>
+            <a:off x="1262744" y="1347779"/>
             <a:ext cx="2133600" cy="2133600"/>
           </a:xfrm>
           <a:prstGeom prst="rect">
@@ -9398,7 +9349,7 @@
         </p:blipFill>
         <p:spPr>
           <a:xfrm>
-            <a:off x="3348842" y="1347779"/>
+            <a:off x="3773386" y="1347779"/>
             <a:ext cx="2133600" cy="2133600"/>
           </a:xfrm>
           <a:prstGeom prst="rect">
@@ -9434,7 +9385,7 @@
         </p:blipFill>
         <p:spPr>
           <a:xfrm>
-            <a:off x="5859484" y="1347779"/>
+            <a:off x="6284028" y="1347779"/>
             <a:ext cx="2133600" cy="2133600"/>
           </a:xfrm>
           <a:prstGeom prst="rect">
@@ -9470,7 +9421,7 @@
         </p:blipFill>
         <p:spPr>
           <a:xfrm>
-            <a:off x="8370126" y="1347779"/>
+            <a:off x="8794670" y="1347779"/>
             <a:ext cx="2133600" cy="2133600"/>
           </a:xfrm>
           <a:prstGeom prst="rect">
@@ -9506,7 +9457,7 @@
         </p:blipFill>
         <p:spPr>
           <a:xfrm>
-            <a:off x="838200" y="3972782"/>
+            <a:off x="1262744" y="3972782"/>
             <a:ext cx="2133600" cy="2133600"/>
           </a:xfrm>
           <a:prstGeom prst="rect">
@@ -9542,7 +9493,7 @@
         </p:blipFill>
         <p:spPr>
           <a:xfrm>
-            <a:off x="3348842" y="3972782"/>
+            <a:off x="3773386" y="3972782"/>
             <a:ext cx="2133600" cy="2133600"/>
           </a:xfrm>
           <a:prstGeom prst="rect">
@@ -9578,7 +9529,7 @@
         </p:blipFill>
         <p:spPr>
           <a:xfrm>
-            <a:off x="5859484" y="3972782"/>
+            <a:off x="6284028" y="3972782"/>
             <a:ext cx="2133600" cy="2133600"/>
           </a:xfrm>
           <a:prstGeom prst="rect">
@@ -9614,7 +9565,7 @@
         </p:blipFill>
         <p:spPr>
           <a:xfrm>
-            <a:off x="8370126" y="3972782"/>
+            <a:off x="8794670" y="3972782"/>
             <a:ext cx="2133600" cy="2133600"/>
           </a:xfrm>
           <a:prstGeom prst="rect">
@@ -9733,8 +9684,8 @@
           <a:lstStyle/>
           <a:p>
             <a:r>
-              <a:rPr lang="de-DE"/>
-              <a:t>Markus Friedrich</a:t>
+              <a:rPr lang="de-DE" dirty="0"/>
+              <a:t>Anna Reiter, Chiara Perocco</a:t>
             </a:r>
           </a:p>
         </p:txBody>
@@ -9819,7 +9770,7 @@
         </p:blipFill>
         <p:spPr>
           <a:xfrm>
-            <a:off x="1803400" y="986700"/>
+            <a:off x="1721549" y="986700"/>
             <a:ext cx="8748899" cy="5249339"/>
           </a:xfrm>
           <a:prstGeom prst="rect">
@@ -9943,8 +9894,8 @@
           <a:lstStyle/>
           <a:p>
             <a:r>
-              <a:rPr lang="de-DE"/>
-              <a:t>Markus Friedrich</a:t>
+              <a:rPr lang="de-DE" dirty="0"/>
+              <a:t>Anna Reiter, Chiara Perocco</a:t>
             </a:r>
           </a:p>
         </p:txBody>
@@ -10029,7 +9980,7 @@
         </p:blipFill>
         <p:spPr>
           <a:xfrm>
-            <a:off x="2110861" y="1064197"/>
+            <a:off x="2471222" y="1049593"/>
             <a:ext cx="7249553" cy="5074688"/>
           </a:xfrm>
           <a:prstGeom prst="rect">
@@ -10108,31 +10059,6 @@
       </p:sp>
       <p:sp>
         <p:nvSpPr>
-          <p:cNvPr id="3" name="Inhaltsplatzhalter 2">
-            <a:extLst>
-              <a:ext uri="{FF2B5EF4-FFF2-40B4-BE49-F238E27FC236}">
-                <a16:creationId xmlns:a16="http://schemas.microsoft.com/office/drawing/2014/main" id="{82A0EED5-BE20-BE4C-CCC8-086F2D3756B4}"/>
-              </a:ext>
-            </a:extLst>
-          </p:cNvPr>
-          <p:cNvSpPr>
-            <a:spLocks noGrp="1"/>
-          </p:cNvSpPr>
-          <p:nvPr>
-            <p:ph idx="1"/>
-          </p:nvPr>
-        </p:nvSpPr>
-        <p:spPr/>
-        <p:txBody>
-          <a:bodyPr/>
-          <a:lstStyle/>
-          <a:p>
-            <a:endParaRPr lang="de-DE" dirty="0"/>
-          </a:p>
-        </p:txBody>
-      </p:sp>
-      <p:sp>
-        <p:nvSpPr>
           <p:cNvPr id="4" name="Datumsplatzhalter 3">
             <a:extLst>
               <a:ext uri="{FF2B5EF4-FFF2-40B4-BE49-F238E27FC236}">
@@ -10153,8 +10079,8 @@
           <a:lstStyle/>
           <a:p>
             <a:r>
-              <a:rPr lang="de-DE"/>
-              <a:t>Markus Friedrich</a:t>
+              <a:rPr lang="de-DE" dirty="0"/>
+              <a:t>Anna Reiter, Chiara Perocco</a:t>
             </a:r>
           </a:p>
         </p:txBody>
@@ -10245,7 +10171,7 @@
         </p:blipFill>
         <p:spPr>
           <a:xfrm>
-            <a:off x="1143003" y="1457611"/>
+            <a:off x="1349834" y="1348751"/>
             <a:ext cx="2133600" cy="2133600"/>
           </a:xfrm>
           <a:prstGeom prst="rect">
@@ -10281,7 +10207,7 @@
         </p:blipFill>
         <p:spPr>
           <a:xfrm>
-            <a:off x="3594268" y="1457611"/>
+            <a:off x="3801099" y="1348751"/>
             <a:ext cx="2133600" cy="2133600"/>
           </a:xfrm>
           <a:prstGeom prst="rect">
@@ -10311,7 +10237,7 @@
         </p:blipFill>
         <p:spPr>
           <a:xfrm>
-            <a:off x="6045533" y="1457611"/>
+            <a:off x="6252364" y="1348751"/>
             <a:ext cx="2133600" cy="2133600"/>
           </a:xfrm>
           <a:prstGeom prst="rect">
@@ -10347,7 +10273,7 @@
         </p:blipFill>
         <p:spPr>
           <a:xfrm>
-            <a:off x="8496798" y="1457611"/>
+            <a:off x="8703629" y="1348751"/>
             <a:ext cx="2133600" cy="2133600"/>
           </a:xfrm>
           <a:prstGeom prst="rect">
@@ -10377,7 +10303,7 @@
         </p:blipFill>
         <p:spPr>
           <a:xfrm>
-            <a:off x="1143003" y="3940110"/>
+            <a:off x="1349834" y="3831250"/>
             <a:ext cx="2133600" cy="2133600"/>
           </a:xfrm>
           <a:prstGeom prst="rect">
@@ -10413,7 +10339,7 @@
         </p:blipFill>
         <p:spPr>
           <a:xfrm>
-            <a:off x="3594268" y="3940110"/>
+            <a:off x="3801099" y="3831250"/>
             <a:ext cx="2133600" cy="2133600"/>
           </a:xfrm>
           <a:prstGeom prst="rect">
@@ -10449,7 +10375,7 @@
         </p:blipFill>
         <p:spPr>
           <a:xfrm>
-            <a:off x="6045533" y="3940110"/>
+            <a:off x="6252364" y="3831250"/>
             <a:ext cx="2133600" cy="2133600"/>
           </a:xfrm>
           <a:prstGeom prst="rect">
@@ -10479,7 +10405,7 @@
         </p:blipFill>
         <p:spPr>
           <a:xfrm>
-            <a:off x="8496798" y="3940110"/>
+            <a:off x="8703629" y="3831250"/>
             <a:ext cx="2133600" cy="2133600"/>
           </a:xfrm>
           <a:prstGeom prst="rect">
@@ -10603,8 +10529,8 @@
           <a:lstStyle/>
           <a:p>
             <a:r>
-              <a:rPr lang="de-DE"/>
-              <a:t>Markus Friedrich</a:t>
+              <a:rPr lang="de-DE" dirty="0"/>
+              <a:t>Anna Reiter, Chiara Perocco</a:t>
             </a:r>
           </a:p>
         </p:txBody>
@@ -10695,7 +10621,7 @@
         </p:blipFill>
         <p:spPr>
           <a:xfrm>
-            <a:off x="1697702" y="860929"/>
+            <a:off x="1697702" y="958084"/>
             <a:ext cx="8796594" cy="5277956"/>
           </a:xfrm>
           <a:prstGeom prst="rect">
@@ -10794,8 +10720,8 @@
           <a:lstStyle/>
           <a:p>
             <a:r>
-              <a:rPr lang="de-DE"/>
-              <a:t>Markus Friedrich</a:t>
+              <a:rPr lang="de-DE" dirty="0"/>
+              <a:t>Anna Reiter, Chiara Perocco</a:t>
             </a:r>
           </a:p>
         </p:txBody>
@@ -10910,7 +10836,7 @@
         </p:blipFill>
         <p:spPr>
           <a:xfrm>
-            <a:off x="371474" y="1098194"/>
+            <a:off x="388938" y="1209953"/>
             <a:ext cx="10693400" cy="5137845"/>
           </a:xfrm>
           <a:prstGeom prst="rect">
@@ -11208,8 +11134,8 @@
           <a:lstStyle/>
           <a:p>
             <a:r>
-              <a:rPr lang="de-DE"/>
-              <a:t>Markus Friedrich</a:t>
+              <a:rPr lang="de-DE" dirty="0"/>
+              <a:t>Anna Reiter, Chiara Perocco</a:t>
             </a:r>
           </a:p>
         </p:txBody>
@@ -11302,7 +11228,7 @@
         </p:blipFill>
         <p:spPr>
           <a:xfrm>
-            <a:off x="8290950" y="3701569"/>
+            <a:off x="8497778" y="3658025"/>
             <a:ext cx="2133600" cy="2133600"/>
           </a:xfrm>
         </p:spPr>
@@ -11335,7 +11261,7 @@
         </p:blipFill>
         <p:spPr>
           <a:xfrm>
-            <a:off x="8290950" y="1445022"/>
+            <a:off x="8497778" y="1401478"/>
             <a:ext cx="2133600" cy="2133600"/>
           </a:xfrm>
           <a:prstGeom prst="rect">
@@ -11371,7 +11297,7 @@
         </p:blipFill>
         <p:spPr>
           <a:xfrm>
-            <a:off x="3624262" y="1445022"/>
+            <a:off x="3831090" y="1401478"/>
             <a:ext cx="2133600" cy="2133600"/>
           </a:xfrm>
           <a:prstGeom prst="rect">
@@ -11407,7 +11333,7 @@
         </p:blipFill>
         <p:spPr>
           <a:xfrm>
-            <a:off x="5957606" y="3701569"/>
+            <a:off x="6164434" y="3658025"/>
             <a:ext cx="2133600" cy="2133600"/>
           </a:xfrm>
           <a:prstGeom prst="rect">
@@ -11443,7 +11369,7 @@
         </p:blipFill>
         <p:spPr>
           <a:xfrm>
-            <a:off x="5957606" y="1463806"/>
+            <a:off x="6164434" y="1420262"/>
             <a:ext cx="2133600" cy="2133600"/>
           </a:xfrm>
           <a:prstGeom prst="rect">
@@ -11479,7 +11405,7 @@
         </p:blipFill>
         <p:spPr>
           <a:xfrm>
-            <a:off x="3624262" y="3730913"/>
+            <a:off x="3831090" y="3687369"/>
             <a:ext cx="2133600" cy="2133600"/>
           </a:xfrm>
           <a:prstGeom prst="rect">
@@ -11515,7 +11441,7 @@
         </p:blipFill>
         <p:spPr>
           <a:xfrm>
-            <a:off x="1290918" y="3730913"/>
+            <a:off x="1497746" y="3687369"/>
             <a:ext cx="2133600" cy="2133600"/>
           </a:xfrm>
           <a:prstGeom prst="rect">
@@ -11551,7 +11477,7 @@
         </p:blipFill>
         <p:spPr>
           <a:xfrm>
-            <a:off x="1290918" y="1448886"/>
+            <a:off x="1497746" y="1405342"/>
             <a:ext cx="2133600" cy="2133600"/>
           </a:xfrm>
           <a:prstGeom prst="rect">
@@ -11650,8 +11576,8 @@
           <a:lstStyle/>
           <a:p>
             <a:r>
-              <a:rPr lang="de-DE"/>
-              <a:t>Markus Friedrich</a:t>
+              <a:rPr lang="de-DE" dirty="0"/>
+              <a:t>Anna Reiter, Chiara Perocco</a:t>
             </a:r>
           </a:p>
         </p:txBody>
@@ -11767,7 +11693,7 @@
         </p:blipFill>
         <p:spPr>
           <a:xfrm>
-            <a:off x="813807" y="1015475"/>
+            <a:off x="813807" y="891072"/>
             <a:ext cx="10564383" cy="5075856"/>
           </a:xfrm>
           <a:prstGeom prst="rect">
@@ -11861,8 +11787,8 @@
           <a:lstStyle/>
           <a:p>
             <a:r>
-              <a:rPr lang="de-DE"/>
-              <a:t>Markus Friedrich</a:t>
+              <a:rPr lang="de-DE" dirty="0"/>
+              <a:t>Anna Reiter, Chiara Perocco</a:t>
             </a:r>
           </a:p>
         </p:txBody>
@@ -11955,7 +11881,7 @@
         </p:blipFill>
         <p:spPr>
           <a:xfrm>
-            <a:off x="571500" y="1137394"/>
+            <a:off x="906087" y="1151704"/>
             <a:ext cx="10379823" cy="4987181"/>
           </a:xfrm>
         </p:spPr>
@@ -12188,8 +12114,8 @@
           <a:lstStyle/>
           <a:p>
             <a:r>
-              <a:rPr lang="de-DE"/>
-              <a:t>Markus Friedrich</a:t>
+              <a:rPr lang="de-DE" dirty="0"/>
+              <a:t>Anna Reiter, Chiara Perocco</a:t>
             </a:r>
           </a:p>
         </p:txBody>
@@ -12249,31 +12175,6 @@
               <a:t>29</a:t>
             </a:fld>
             <a:endParaRPr lang="de-DE"/>
-          </a:p>
-        </p:txBody>
-      </p:sp>
-      <p:sp>
-        <p:nvSpPr>
-          <p:cNvPr id="7" name="Inhaltsplatzhalter 6">
-            <a:extLst>
-              <a:ext uri="{FF2B5EF4-FFF2-40B4-BE49-F238E27FC236}">
-                <a16:creationId xmlns:a16="http://schemas.microsoft.com/office/drawing/2014/main" id="{532EBC30-5B2E-899A-5CF3-5074678CF70D}"/>
-              </a:ext>
-            </a:extLst>
-          </p:cNvPr>
-          <p:cNvSpPr>
-            <a:spLocks noGrp="1"/>
-          </p:cNvSpPr>
-          <p:nvPr>
-            <p:ph idx="1"/>
-          </p:nvPr>
-        </p:nvSpPr>
-        <p:spPr/>
-        <p:txBody>
-          <a:bodyPr/>
-          <a:lstStyle/>
-          <a:p>
-            <a:endParaRPr lang="en-US"/>
           </a:p>
         </p:txBody>
       </p:sp>
@@ -12299,7 +12200,7 @@
         </p:blipFill>
         <p:spPr>
           <a:xfrm>
-            <a:off x="1387474" y="1459154"/>
+            <a:off x="1300386" y="1197898"/>
             <a:ext cx="2133600" cy="2133600"/>
           </a:xfrm>
           <a:prstGeom prst="rect">
@@ -12329,7 +12230,7 @@
         </p:blipFill>
         <p:spPr>
           <a:xfrm>
-            <a:off x="3886200" y="1469422"/>
+            <a:off x="3799112" y="1208166"/>
             <a:ext cx="2133600" cy="2133600"/>
           </a:xfrm>
           <a:prstGeom prst="rect">
@@ -12359,7 +12260,7 @@
         </p:blipFill>
         <p:spPr>
           <a:xfrm>
-            <a:off x="6384926" y="1469422"/>
+            <a:off x="6297838" y="1208166"/>
             <a:ext cx="2133600" cy="2133600"/>
           </a:xfrm>
           <a:prstGeom prst="rect">
@@ -12389,7 +12290,7 @@
         </p:blipFill>
         <p:spPr>
           <a:xfrm>
-            <a:off x="8883652" y="1469422"/>
+            <a:off x="8796564" y="1208166"/>
             <a:ext cx="2133600" cy="2133600"/>
           </a:xfrm>
           <a:prstGeom prst="rect">
@@ -12419,7 +12320,7 @@
         </p:blipFill>
         <p:spPr>
           <a:xfrm>
-            <a:off x="1387474" y="3948275"/>
+            <a:off x="1300386" y="3687019"/>
             <a:ext cx="2133600" cy="2133600"/>
           </a:xfrm>
           <a:prstGeom prst="rect">
@@ -12449,7 +12350,7 @@
         </p:blipFill>
         <p:spPr>
           <a:xfrm>
-            <a:off x="3886200" y="3948275"/>
+            <a:off x="3799112" y="3687019"/>
             <a:ext cx="2133600" cy="2133600"/>
           </a:xfrm>
           <a:prstGeom prst="rect">
@@ -12479,7 +12380,7 @@
         </p:blipFill>
         <p:spPr>
           <a:xfrm>
-            <a:off x="6384926" y="3948275"/>
+            <a:off x="6297838" y="3687019"/>
             <a:ext cx="2133600" cy="2133600"/>
           </a:xfrm>
           <a:prstGeom prst="rect">
@@ -12509,7 +12410,7 @@
         </p:blipFill>
         <p:spPr>
           <a:xfrm>
-            <a:off x="8883652" y="3973071"/>
+            <a:off x="8796564" y="3711815"/>
             <a:ext cx="2133600" cy="2133600"/>
           </a:xfrm>
           <a:prstGeom prst="rect">
@@ -12822,8 +12723,8 @@
           <a:lstStyle/>
           <a:p>
             <a:r>
-              <a:rPr lang="de-DE"/>
-              <a:t>Markus Friedrich</a:t>
+              <a:rPr lang="de-DE" dirty="0"/>
+              <a:t>Anna Reiter, Chiara Perocco</a:t>
             </a:r>
           </a:p>
         </p:txBody>
@@ -12933,7 +12834,7 @@
         </p:blipFill>
         <p:spPr>
           <a:xfrm>
-            <a:off x="371474" y="873148"/>
+            <a:off x="616207" y="873148"/>
             <a:ext cx="10959583" cy="5265737"/>
           </a:xfrm>
           <a:prstGeom prst="rect">
@@ -13032,8 +12933,8 @@
           <a:lstStyle/>
           <a:p>
             <a:r>
-              <a:rPr lang="de-DE"/>
-              <a:t>Markus Friedrich</a:t>
+              <a:rPr lang="de-DE" dirty="0"/>
+              <a:t>Anna Reiter, Chiara Perocco</a:t>
             </a:r>
           </a:p>
         </p:txBody>
@@ -13143,7 +13044,7 @@
         </p:blipFill>
         <p:spPr>
           <a:xfrm>
-            <a:off x="371474" y="1155114"/>
+            <a:off x="909635" y="1228724"/>
             <a:ext cx="10372727" cy="4983771"/>
           </a:xfrm>
           <a:prstGeom prst="rect">
@@ -13453,8 +13354,8 @@
           <a:lstStyle/>
           <a:p>
             <a:r>
-              <a:rPr lang="de-DE"/>
-              <a:t>Markus Friedrich</a:t>
+              <a:rPr lang="de-DE" dirty="0"/>
+              <a:t>Anna Reiter, Chiara Perocco</a:t>
             </a:r>
           </a:p>
         </p:txBody>
@@ -13547,7 +13448,7 @@
         </p:blipFill>
         <p:spPr>
           <a:xfrm>
-            <a:off x="736600" y="1448886"/>
+            <a:off x="1433286" y="1307371"/>
             <a:ext cx="2133600" cy="2133600"/>
           </a:xfrm>
         </p:spPr>
@@ -13580,7 +13481,7 @@
         </p:blipFill>
         <p:spPr>
           <a:xfrm>
-            <a:off x="5520766" y="1448886"/>
+            <a:off x="6217452" y="1307371"/>
             <a:ext cx="2133600" cy="2133600"/>
           </a:xfrm>
           <a:prstGeom prst="rect">
@@ -13616,7 +13517,7 @@
         </p:blipFill>
         <p:spPr>
           <a:xfrm>
-            <a:off x="3128683" y="1448886"/>
+            <a:off x="3825369" y="1307371"/>
             <a:ext cx="2133600" cy="2133600"/>
           </a:xfrm>
           <a:prstGeom prst="rect">
@@ -13652,7 +13553,7 @@
         </p:blipFill>
         <p:spPr>
           <a:xfrm>
-            <a:off x="7912849" y="1448886"/>
+            <a:off x="8609535" y="1307371"/>
             <a:ext cx="2133600" cy="2133600"/>
           </a:xfrm>
           <a:prstGeom prst="rect">
@@ -13688,7 +13589,7 @@
         </p:blipFill>
         <p:spPr>
           <a:xfrm>
-            <a:off x="736600" y="3802648"/>
+            <a:off x="1433286" y="3661133"/>
             <a:ext cx="2133600" cy="2133600"/>
           </a:xfrm>
           <a:prstGeom prst="rect">
@@ -13724,7 +13625,7 @@
         </p:blipFill>
         <p:spPr>
           <a:xfrm>
-            <a:off x="3128683" y="3802648"/>
+            <a:off x="3825369" y="3661133"/>
             <a:ext cx="2133600" cy="2133600"/>
           </a:xfrm>
           <a:prstGeom prst="rect">
@@ -13760,7 +13661,7 @@
         </p:blipFill>
         <p:spPr>
           <a:xfrm>
-            <a:off x="5520766" y="3802648"/>
+            <a:off x="6217452" y="3661133"/>
             <a:ext cx="2133600" cy="2133600"/>
           </a:xfrm>
           <a:prstGeom prst="rect">
@@ -13796,7 +13697,7 @@
         </p:blipFill>
         <p:spPr>
           <a:xfrm>
-            <a:off x="7912849" y="3802648"/>
+            <a:off x="8609535" y="3661133"/>
             <a:ext cx="2133600" cy="2133600"/>
           </a:xfrm>
           <a:prstGeom prst="rect">
@@ -13895,8 +13796,8 @@
           <a:lstStyle/>
           <a:p>
             <a:r>
-              <a:rPr lang="de-DE"/>
-              <a:t>Markus Friedrich</a:t>
+              <a:rPr lang="de-DE" dirty="0"/>
+              <a:t>Anna Reiter, Chiara Perocco</a:t>
             </a:r>
           </a:p>
         </p:txBody>
@@ -13987,7 +13888,7 @@
         </p:blipFill>
         <p:spPr>
           <a:xfrm>
-            <a:off x="371474" y="1033050"/>
+            <a:off x="748946" y="1033050"/>
             <a:ext cx="9973383" cy="4791899"/>
           </a:xfrm>
           <a:prstGeom prst="rect">
@@ -14016,7 +13917,7 @@
         <p:cNvPr id="1" name="">
           <a:extLst>
             <a:ext uri="{FF2B5EF4-FFF2-40B4-BE49-F238E27FC236}">
-              <a16:creationId xmlns:a16="http://schemas.microsoft.com/office/drawing/2014/main" id="{35669913-AE1F-590C-A7CD-94746E87F36B}"/>
+              <a16:creationId xmlns:a16="http://schemas.microsoft.com/office/drawing/2014/main" id="{8169BB09-12CD-FC9A-EC23-1A2E89B5C735}"/>
             </a:ext>
           </a:extLst>
         </p:cNvPr>
@@ -14036,7 +13937,7 @@
           <p:cNvPr id="2" name="Bildplatzhalter 1">
             <a:extLst>
               <a:ext uri="{FF2B5EF4-FFF2-40B4-BE49-F238E27FC236}">
-                <a16:creationId xmlns:a16="http://schemas.microsoft.com/office/drawing/2014/main" id="{AE244E23-32FC-1441-C8D6-AD99C1EC0AF3}"/>
+                <a16:creationId xmlns:a16="http://schemas.microsoft.com/office/drawing/2014/main" id="{1A99330F-31CB-95BB-1249-73AC6636D8F1}"/>
               </a:ext>
             </a:extLst>
           </p:cNvPr>
@@ -14061,7 +13962,7 @@
           <p:cNvPr id="3" name="Textplatzhalter 2">
             <a:extLst>
               <a:ext uri="{FF2B5EF4-FFF2-40B4-BE49-F238E27FC236}">
-                <a16:creationId xmlns:a16="http://schemas.microsoft.com/office/drawing/2014/main" id="{1D845D88-6BC9-A1ED-6536-D2E1C04F653E}"/>
+                <a16:creationId xmlns:a16="http://schemas.microsoft.com/office/drawing/2014/main" id="{472794D4-D1BA-D39D-AD14-D4102334357B}"/>
               </a:ext>
             </a:extLst>
           </p:cNvPr>
@@ -14086,7 +13987,7 @@
           <p:cNvPr id="4" name="Datumsplatzhalter 3">
             <a:extLst>
               <a:ext uri="{FF2B5EF4-FFF2-40B4-BE49-F238E27FC236}">
-                <a16:creationId xmlns:a16="http://schemas.microsoft.com/office/drawing/2014/main" id="{1917C6C0-5ECE-7A93-2BE8-144341E702C6}"/>
+                <a16:creationId xmlns:a16="http://schemas.microsoft.com/office/drawing/2014/main" id="{C2D6BA20-564B-9847-6BEB-89B6F09EAA5D}"/>
               </a:ext>
             </a:extLst>
           </p:cNvPr>
@@ -14114,7 +14015,7 @@
           <p:cNvPr id="5" name="Fußzeilenplatzhalter 4">
             <a:extLst>
               <a:ext uri="{FF2B5EF4-FFF2-40B4-BE49-F238E27FC236}">
-                <a16:creationId xmlns:a16="http://schemas.microsoft.com/office/drawing/2014/main" id="{F1447FDE-2D6F-7217-286C-71AB364A3AD1}"/>
+                <a16:creationId xmlns:a16="http://schemas.microsoft.com/office/drawing/2014/main" id="{A0D89A86-533D-8DEF-308F-BE8C4A005262}"/>
               </a:ext>
             </a:extLst>
           </p:cNvPr>
@@ -14143,7 +14044,7 @@
           <p:cNvPr id="6" name="Foliennummernplatzhalter 5">
             <a:extLst>
               <a:ext uri="{FF2B5EF4-FFF2-40B4-BE49-F238E27FC236}">
-                <a16:creationId xmlns:a16="http://schemas.microsoft.com/office/drawing/2014/main" id="{8FD164F7-008E-C240-AF90-1AD82622C2A1}"/>
+                <a16:creationId xmlns:a16="http://schemas.microsoft.com/office/drawing/2014/main" id="{42C3B142-AA9E-0041-9DC1-74A9DF30E830}"/>
               </a:ext>
             </a:extLst>
           </p:cNvPr>
@@ -14169,10 +14070,39 @@
       </p:sp>
       <p:sp>
         <p:nvSpPr>
-          <p:cNvPr id="7" name="Textplatzhalter 6">
-            <a:extLst>
-              <a:ext uri="{FF2B5EF4-FFF2-40B4-BE49-F238E27FC236}">
-                <a16:creationId xmlns:a16="http://schemas.microsoft.com/office/drawing/2014/main" id="{F8D8339B-8CB7-091E-DB8C-96BB472C24E7}"/>
+          <p:cNvPr id="8" name="Titel 7">
+            <a:extLst>
+              <a:ext uri="{FF2B5EF4-FFF2-40B4-BE49-F238E27FC236}">
+                <a16:creationId xmlns:a16="http://schemas.microsoft.com/office/drawing/2014/main" id="{F996AA29-2474-347D-6BE5-20C1AD57F1C6}"/>
+              </a:ext>
+            </a:extLst>
+          </p:cNvPr>
+          <p:cNvSpPr>
+            <a:spLocks noGrp="1"/>
+          </p:cNvSpPr>
+          <p:nvPr>
+            <p:ph type="title"/>
+          </p:nvPr>
+        </p:nvSpPr>
+        <p:spPr/>
+        <p:txBody>
+          <a:bodyPr/>
+          <a:lstStyle/>
+          <a:p>
+            <a:r>
+              <a:rPr lang="de-DE" dirty="0" err="1"/>
+              <a:t>Conclusion</a:t>
+            </a:r>
+            <a:endParaRPr lang="de-DE" dirty="0"/>
+          </a:p>
+        </p:txBody>
+      </p:sp>
+      <p:sp>
+        <p:nvSpPr>
+          <p:cNvPr id="10" name="Textplatzhalter 9">
+            <a:extLst>
+              <a:ext uri="{FF2B5EF4-FFF2-40B4-BE49-F238E27FC236}">
+                <a16:creationId xmlns:a16="http://schemas.microsoft.com/office/drawing/2014/main" id="{A7ABD652-C8D0-9572-3125-F6EBB88B6323}"/>
               </a:ext>
             </a:extLst>
           </p:cNvPr>
@@ -14189,41 +14119,13 @@
           <a:lstStyle/>
           <a:p>
             <a:endParaRPr lang="de-DE"/>
-          </a:p>
-        </p:txBody>
-      </p:sp>
-      <p:sp>
-        <p:nvSpPr>
-          <p:cNvPr id="8" name="Titel 7">
-            <a:extLst>
-              <a:ext uri="{FF2B5EF4-FFF2-40B4-BE49-F238E27FC236}">
-                <a16:creationId xmlns:a16="http://schemas.microsoft.com/office/drawing/2014/main" id="{C6BE9DBC-BB3B-F0FD-B24C-2A7F9EC13E90}"/>
-              </a:ext>
-            </a:extLst>
-          </p:cNvPr>
-          <p:cNvSpPr>
-            <a:spLocks noGrp="1"/>
-          </p:cNvSpPr>
-          <p:nvPr>
-            <p:ph type="title"/>
-          </p:nvPr>
-        </p:nvSpPr>
-        <p:spPr/>
-        <p:txBody>
-          <a:bodyPr/>
-          <a:lstStyle/>
-          <a:p>
-            <a:r>
-              <a:rPr lang="de-DE" dirty="0"/>
-              <a:t>Outlook</a:t>
-            </a:r>
           </a:p>
         </p:txBody>
       </p:sp>
     </p:spTree>
     <p:extLst>
       <p:ext uri="{BB962C8B-B14F-4D97-AF65-F5344CB8AC3E}">
-        <p14:creationId xmlns:p14="http://schemas.microsoft.com/office/powerpoint/2010/main" val="4142548322"/>
+        <p14:creationId xmlns:p14="http://schemas.microsoft.com/office/powerpoint/2010/main" val="162438805"/>
       </p:ext>
     </p:extLst>
   </p:cSld>
@@ -14241,7 +14143,7 @@
         <p:cNvPr id="1" name="">
           <a:extLst>
             <a:ext uri="{FF2B5EF4-FFF2-40B4-BE49-F238E27FC236}">
-              <a16:creationId xmlns:a16="http://schemas.microsoft.com/office/drawing/2014/main" id="{8169BB09-12CD-FC9A-EC23-1A2E89B5C735}"/>
+              <a16:creationId xmlns:a16="http://schemas.microsoft.com/office/drawing/2014/main" id="{CD52ABA8-3A5A-1D62-994D-A08E4A63E63B}"/>
             </a:ext>
           </a:extLst>
         </p:cNvPr>
@@ -14258,51 +14160,217 @@
       </p:grpSpPr>
       <p:sp>
         <p:nvSpPr>
-          <p:cNvPr id="2" name="Bildplatzhalter 1">
-            <a:extLst>
-              <a:ext uri="{FF2B5EF4-FFF2-40B4-BE49-F238E27FC236}">
-                <a16:creationId xmlns:a16="http://schemas.microsoft.com/office/drawing/2014/main" id="{1A99330F-31CB-95BB-1249-73AC6636D8F1}"/>
-              </a:ext>
-            </a:extLst>
-          </p:cNvPr>
-          <p:cNvSpPr>
-            <a:spLocks noGrp="1"/>
-          </p:cNvSpPr>
-          <p:nvPr>
-            <p:ph type="pic" sz="quarter" idx="15"/>
-          </p:nvPr>
-        </p:nvSpPr>
-        <p:spPr/>
-        <p:txBody>
-          <a:bodyPr/>
-          <a:lstStyle/>
-          <a:p>
-            <a:endParaRPr lang="de-DE"/>
-          </a:p>
-        </p:txBody>
-      </p:sp>
-      <p:sp>
-        <p:nvSpPr>
-          <p:cNvPr id="3" name="Textplatzhalter 2">
-            <a:extLst>
-              <a:ext uri="{FF2B5EF4-FFF2-40B4-BE49-F238E27FC236}">
-                <a16:creationId xmlns:a16="http://schemas.microsoft.com/office/drawing/2014/main" id="{472794D4-D1BA-D39D-AD14-D4102334357B}"/>
-              </a:ext>
-            </a:extLst>
-          </p:cNvPr>
-          <p:cNvSpPr>
-            <a:spLocks noGrp="1"/>
-          </p:cNvSpPr>
-          <p:nvPr>
-            <p:ph type="body" sz="quarter" idx="16"/>
-          </p:nvPr>
-        </p:nvSpPr>
-        <p:spPr/>
-        <p:txBody>
-          <a:bodyPr/>
-          <a:lstStyle/>
-          <a:p>
-            <a:endParaRPr lang="de-DE"/>
+          <p:cNvPr id="9" name="Titel 8">
+            <a:extLst>
+              <a:ext uri="{FF2B5EF4-FFF2-40B4-BE49-F238E27FC236}">
+                <a16:creationId xmlns:a16="http://schemas.microsoft.com/office/drawing/2014/main" id="{480930A1-4B47-44C6-80F0-EB04AC810CDF}"/>
+              </a:ext>
+            </a:extLst>
+          </p:cNvPr>
+          <p:cNvSpPr>
+            <a:spLocks noGrp="1"/>
+          </p:cNvSpPr>
+          <p:nvPr>
+            <p:ph type="title"/>
+          </p:nvPr>
+        </p:nvSpPr>
+        <p:spPr/>
+        <p:txBody>
+          <a:bodyPr/>
+          <a:lstStyle/>
+          <a:p>
+            <a:r>
+              <a:rPr lang="de-DE" dirty="0" err="1"/>
+              <a:t>Conclusion</a:t>
+            </a:r>
+            <a:endParaRPr lang="de-DE" dirty="0"/>
+          </a:p>
+        </p:txBody>
+      </p:sp>
+      <p:sp>
+        <p:nvSpPr>
+          <p:cNvPr id="10" name="Inhaltsplatzhalter 9">
+            <a:extLst>
+              <a:ext uri="{FF2B5EF4-FFF2-40B4-BE49-F238E27FC236}">
+                <a16:creationId xmlns:a16="http://schemas.microsoft.com/office/drawing/2014/main" id="{82E0076F-543A-1E3C-5819-D6760C69076B}"/>
+              </a:ext>
+            </a:extLst>
+          </p:cNvPr>
+          <p:cNvSpPr>
+            <a:spLocks noGrp="1"/>
+          </p:cNvSpPr>
+          <p:nvPr>
+            <p:ph idx="1"/>
+          </p:nvPr>
+        </p:nvSpPr>
+        <p:spPr/>
+        <p:txBody>
+          <a:bodyPr/>
+          <a:lstStyle/>
+          <a:p>
+            <a:pPr marL="457200" indent="-457200">
+              <a:buFont typeface="Arial" panose="020B0604020202020204" pitchFamily="34" charset="0"/>
+              <a:buChar char="•"/>
+            </a:pPr>
+            <a:r>
+              <a:rPr lang="de-DE" dirty="0"/>
+              <a:t>More </a:t>
+            </a:r>
+            <a:r>
+              <a:rPr lang="de-DE" dirty="0" err="1"/>
+              <a:t>images</a:t>
+            </a:r>
+            <a:r>
+              <a:rPr lang="de-DE" dirty="0"/>
+              <a:t> and </a:t>
+            </a:r>
+            <a:r>
+              <a:rPr lang="de-DE" dirty="0" err="1"/>
+              <a:t>data</a:t>
+            </a:r>
+            <a:r>
+              <a:rPr lang="de-DE" dirty="0"/>
+              <a:t> </a:t>
+            </a:r>
+            <a:r>
+              <a:rPr lang="de-DE" dirty="0" err="1"/>
+              <a:t>augmentation</a:t>
+            </a:r>
+            <a:r>
+              <a:rPr lang="de-DE" dirty="0"/>
+              <a:t> </a:t>
+            </a:r>
+            <a:r>
+              <a:rPr lang="de-DE" dirty="0" err="1"/>
+              <a:t>improve</a:t>
+            </a:r>
+            <a:r>
+              <a:rPr lang="de-DE" dirty="0"/>
+              <a:t> </a:t>
+            </a:r>
+            <a:r>
+              <a:rPr lang="de-DE" dirty="0" err="1"/>
+              <a:t>performence</a:t>
+            </a:r>
+            <a:r>
+              <a:rPr lang="de-DE" dirty="0"/>
+              <a:t> </a:t>
+            </a:r>
+            <a:r>
+              <a:rPr lang="de-DE" dirty="0" err="1"/>
+              <a:t>of</a:t>
+            </a:r>
+            <a:r>
+              <a:rPr lang="de-DE" dirty="0"/>
+              <a:t> all </a:t>
+            </a:r>
+            <a:r>
+              <a:rPr lang="de-DE" dirty="0" err="1"/>
+              <a:t>models</a:t>
+            </a:r>
+            <a:endParaRPr lang="de-DE" dirty="0"/>
+          </a:p>
+          <a:p>
+            <a:pPr marL="457200" indent="-457200">
+              <a:buFont typeface="Arial" panose="020B0604020202020204" pitchFamily="34" charset="0"/>
+              <a:buChar char="•"/>
+            </a:pPr>
+            <a:endParaRPr lang="de-DE" dirty="0"/>
+          </a:p>
+          <a:p>
+            <a:pPr marL="457200" indent="-457200">
+              <a:buFont typeface="Arial" panose="020B0604020202020204" pitchFamily="34" charset="0"/>
+              <a:buChar char="•"/>
+            </a:pPr>
+            <a:r>
+              <a:rPr lang="en-US" dirty="0"/>
+              <a:t>Early Stopping: Due to overfitting and low generalization </a:t>
+            </a:r>
+            <a:r>
+              <a:rPr lang="en-US" dirty="0">
+                <a:sym typeface="Wingdings" panose="05000000000000000000" pitchFamily="2" charset="2"/>
+              </a:rPr>
+              <a:t> patience value should be improved</a:t>
+            </a:r>
+          </a:p>
+          <a:p>
+            <a:endParaRPr lang="de-DE" dirty="0"/>
+          </a:p>
+          <a:p>
+            <a:pPr marL="457200" indent="-457200">
+              <a:buFont typeface="Arial" panose="020B0604020202020204" pitchFamily="34" charset="0"/>
+              <a:buChar char="•"/>
+            </a:pPr>
+            <a:r>
+              <a:rPr lang="de-DE" dirty="0"/>
+              <a:t>Drop out rate, </a:t>
+            </a:r>
+            <a:r>
+              <a:rPr lang="de-DE" dirty="0" err="1"/>
+              <a:t>weight</a:t>
+            </a:r>
+            <a:r>
+              <a:rPr lang="de-DE" dirty="0"/>
+              <a:t> </a:t>
+            </a:r>
+            <a:r>
+              <a:rPr lang="de-DE" dirty="0" err="1"/>
+              <a:t>decay</a:t>
+            </a:r>
+            <a:r>
+              <a:rPr lang="de-DE" dirty="0"/>
+              <a:t>, Learning rate </a:t>
+            </a:r>
+            <a:r>
+              <a:rPr lang="de-DE" dirty="0" err="1"/>
+              <a:t>scheduler</a:t>
+            </a:r>
+            <a:endParaRPr lang="de-DE" dirty="0"/>
+          </a:p>
+          <a:p>
+            <a:pPr marL="457200" indent="-457200">
+              <a:buFont typeface="Arial" panose="020B0604020202020204" pitchFamily="34" charset="0"/>
+              <a:buChar char="•"/>
+            </a:pPr>
+            <a:endParaRPr lang="de-DE" dirty="0"/>
+          </a:p>
+          <a:p>
+            <a:pPr marL="457200" indent="-457200">
+              <a:buFont typeface="Arial" panose="020B0604020202020204" pitchFamily="34" charset="0"/>
+              <a:buChar char="•"/>
+            </a:pPr>
+            <a:r>
+              <a:rPr lang="de-DE" dirty="0" err="1"/>
+              <a:t>AlexNet</a:t>
+            </a:r>
+            <a:r>
+              <a:rPr lang="de-DE" dirty="0"/>
+              <a:t> </a:t>
+            </a:r>
+            <a:r>
+              <a:rPr lang="de-DE" dirty="0" err="1"/>
+              <a:t>has</a:t>
+            </a:r>
+            <a:r>
+              <a:rPr lang="de-DE" dirty="0"/>
+              <a:t> </a:t>
+            </a:r>
+            <a:r>
+              <a:rPr lang="de-DE" dirty="0" err="1"/>
+              <a:t>best</a:t>
+            </a:r>
+            <a:r>
+              <a:rPr lang="de-DE" dirty="0"/>
+              <a:t> </a:t>
+            </a:r>
+            <a:r>
+              <a:rPr lang="de-DE" dirty="0" err="1"/>
+              <a:t>focus</a:t>
+            </a:r>
+            <a:endParaRPr lang="de-DE" dirty="0"/>
+          </a:p>
+          <a:p>
+            <a:endParaRPr lang="de-DE" dirty="0"/>
           </a:p>
         </p:txBody>
       </p:sp>
@@ -14311,7 +14379,7 @@
           <p:cNvPr id="4" name="Datumsplatzhalter 3">
             <a:extLst>
               <a:ext uri="{FF2B5EF4-FFF2-40B4-BE49-F238E27FC236}">
-                <a16:creationId xmlns:a16="http://schemas.microsoft.com/office/drawing/2014/main" id="{C2D6BA20-564B-9847-6BEB-89B6F09EAA5D}"/>
+                <a16:creationId xmlns:a16="http://schemas.microsoft.com/office/drawing/2014/main" id="{A075FA1A-9DB9-7F51-B7F6-1659A09E8174}"/>
               </a:ext>
             </a:extLst>
           </p:cNvPr>
@@ -14339,7 +14407,7 @@
           <p:cNvPr id="5" name="Fußzeilenplatzhalter 4">
             <a:extLst>
               <a:ext uri="{FF2B5EF4-FFF2-40B4-BE49-F238E27FC236}">
-                <a16:creationId xmlns:a16="http://schemas.microsoft.com/office/drawing/2014/main" id="{A0D89A86-533D-8DEF-308F-BE8C4A005262}"/>
+                <a16:creationId xmlns:a16="http://schemas.microsoft.com/office/drawing/2014/main" id="{E3244AE3-8062-54A0-B34E-FECF1981D564}"/>
               </a:ext>
             </a:extLst>
           </p:cNvPr>
@@ -14368,7 +14436,7 @@
           <p:cNvPr id="6" name="Foliennummernplatzhalter 5">
             <a:extLst>
               <a:ext uri="{FF2B5EF4-FFF2-40B4-BE49-F238E27FC236}">
-                <a16:creationId xmlns:a16="http://schemas.microsoft.com/office/drawing/2014/main" id="{42C3B142-AA9E-0041-9DC1-74A9DF30E830}"/>
+                <a16:creationId xmlns:a16="http://schemas.microsoft.com/office/drawing/2014/main" id="{F55684B9-D200-ECB6-7F52-551214EAB7B0}"/>
               </a:ext>
             </a:extLst>
           </p:cNvPr>
@@ -14392,249 +14460,10 @@
           </a:p>
         </p:txBody>
       </p:sp>
-      <p:sp>
-        <p:nvSpPr>
-          <p:cNvPr id="7" name="Textplatzhalter 6">
-            <a:extLst>
-              <a:ext uri="{FF2B5EF4-FFF2-40B4-BE49-F238E27FC236}">
-                <a16:creationId xmlns:a16="http://schemas.microsoft.com/office/drawing/2014/main" id="{F6C4B76E-7B95-BB93-949F-DBA2D6ABB838}"/>
-              </a:ext>
-            </a:extLst>
-          </p:cNvPr>
-          <p:cNvSpPr>
-            <a:spLocks noGrp="1"/>
-          </p:cNvSpPr>
-          <p:nvPr>
-            <p:ph type="body" sz="quarter" idx="14"/>
-          </p:nvPr>
-        </p:nvSpPr>
-        <p:spPr>
-          <a:xfrm>
-            <a:off x="6107112" y="277708"/>
-            <a:ext cx="5713413" cy="6465991"/>
-          </a:xfrm>
-        </p:spPr>
-        <p:txBody>
-          <a:bodyPr/>
-          <a:lstStyle/>
-          <a:p>
-            <a:pPr marL="457200" indent="-457200">
-              <a:buFont typeface="Arial" panose="020B0604020202020204" pitchFamily="34" charset="0"/>
-              <a:buChar char="•"/>
-            </a:pPr>
-            <a:r>
-              <a:rPr lang="de-DE" dirty="0"/>
-              <a:t>More </a:t>
-            </a:r>
-            <a:r>
-              <a:rPr lang="de-DE" dirty="0" err="1"/>
-              <a:t>images</a:t>
-            </a:r>
-            <a:r>
-              <a:rPr lang="de-DE" dirty="0"/>
-              <a:t> and </a:t>
-            </a:r>
-            <a:r>
-              <a:rPr lang="de-DE" dirty="0" err="1"/>
-              <a:t>data</a:t>
-            </a:r>
-            <a:r>
-              <a:rPr lang="de-DE" dirty="0"/>
-              <a:t> </a:t>
-            </a:r>
-            <a:r>
-              <a:rPr lang="de-DE" dirty="0" err="1"/>
-              <a:t>augmentation</a:t>
-            </a:r>
-            <a:r>
-              <a:rPr lang="de-DE" dirty="0"/>
-              <a:t> </a:t>
-            </a:r>
-            <a:r>
-              <a:rPr lang="de-DE" dirty="0" err="1"/>
-              <a:t>improve</a:t>
-            </a:r>
-            <a:r>
-              <a:rPr lang="de-DE" dirty="0"/>
-              <a:t> </a:t>
-            </a:r>
-            <a:r>
-              <a:rPr lang="de-DE" dirty="0" err="1"/>
-              <a:t>performence</a:t>
-            </a:r>
-            <a:r>
-              <a:rPr lang="de-DE" dirty="0"/>
-              <a:t> </a:t>
-            </a:r>
-            <a:r>
-              <a:rPr lang="de-DE" dirty="0" err="1"/>
-              <a:t>of</a:t>
-            </a:r>
-            <a:r>
-              <a:rPr lang="de-DE" dirty="0"/>
-              <a:t> all </a:t>
-            </a:r>
-            <a:r>
-              <a:rPr lang="de-DE" dirty="0" err="1"/>
-              <a:t>models</a:t>
-            </a:r>
-            <a:endParaRPr lang="de-DE" dirty="0"/>
-          </a:p>
-          <a:p>
-            <a:pPr marL="457200" indent="-457200">
-              <a:buFont typeface="Arial" panose="020B0604020202020204" pitchFamily="34" charset="0"/>
-              <a:buChar char="•"/>
-            </a:pPr>
-            <a:endParaRPr lang="de-DE" dirty="0"/>
-          </a:p>
-          <a:p>
-            <a:pPr marL="457200" indent="-457200">
-              <a:buFont typeface="Arial" panose="020B0604020202020204" pitchFamily="34" charset="0"/>
-              <a:buChar char="•"/>
-            </a:pPr>
-            <a:r>
-              <a:rPr lang="en-US" dirty="0"/>
-              <a:t>Early Stopping: Due to overfitting and low generalization </a:t>
-            </a:r>
-            <a:r>
-              <a:rPr lang="en-US" dirty="0">
-                <a:sym typeface="Wingdings" panose="05000000000000000000" pitchFamily="2" charset="2"/>
-              </a:rPr>
-              <a:t> patience value should be improved</a:t>
-            </a:r>
-          </a:p>
-          <a:p>
-            <a:endParaRPr lang="de-DE" dirty="0"/>
-          </a:p>
-          <a:p>
-            <a:pPr marL="457200" indent="-457200">
-              <a:buFont typeface="Arial" panose="020B0604020202020204" pitchFamily="34" charset="0"/>
-              <a:buChar char="•"/>
-            </a:pPr>
-            <a:r>
-              <a:rPr lang="de-DE" dirty="0"/>
-              <a:t>Drop out rate, </a:t>
-            </a:r>
-            <a:r>
-              <a:rPr lang="de-DE" dirty="0" err="1"/>
-              <a:t>weight</a:t>
-            </a:r>
-            <a:r>
-              <a:rPr lang="de-DE" dirty="0"/>
-              <a:t> </a:t>
-            </a:r>
-            <a:r>
-              <a:rPr lang="de-DE" dirty="0" err="1"/>
-              <a:t>decay</a:t>
-            </a:r>
-            <a:r>
-              <a:rPr lang="de-DE" dirty="0"/>
-              <a:t>, Learning rate </a:t>
-            </a:r>
-            <a:r>
-              <a:rPr lang="de-DE" dirty="0" err="1"/>
-              <a:t>scheduler</a:t>
-            </a:r>
-            <a:endParaRPr lang="de-DE" dirty="0"/>
-          </a:p>
-          <a:p>
-            <a:pPr marL="457200" indent="-457200">
-              <a:buFont typeface="Arial" panose="020B0604020202020204" pitchFamily="34" charset="0"/>
-              <a:buChar char="•"/>
-            </a:pPr>
-            <a:endParaRPr lang="de-DE" dirty="0"/>
-          </a:p>
-          <a:p>
-            <a:pPr marL="457200" indent="-457200">
-              <a:buFont typeface="Arial" panose="020B0604020202020204" pitchFamily="34" charset="0"/>
-              <a:buChar char="•"/>
-            </a:pPr>
-            <a:r>
-              <a:rPr lang="de-DE" dirty="0" err="1"/>
-              <a:t>AlexNet</a:t>
-            </a:r>
-            <a:r>
-              <a:rPr lang="de-DE" dirty="0"/>
-              <a:t> </a:t>
-            </a:r>
-            <a:r>
-              <a:rPr lang="de-DE" dirty="0" err="1"/>
-              <a:t>has</a:t>
-            </a:r>
-            <a:r>
-              <a:rPr lang="de-DE" dirty="0"/>
-              <a:t> </a:t>
-            </a:r>
-            <a:r>
-              <a:rPr lang="de-DE" dirty="0" err="1"/>
-              <a:t>best</a:t>
-            </a:r>
-            <a:r>
-              <a:rPr lang="de-DE" dirty="0"/>
-              <a:t> </a:t>
-            </a:r>
-            <a:r>
-              <a:rPr lang="de-DE" dirty="0" err="1"/>
-              <a:t>focus</a:t>
-            </a:r>
-            <a:endParaRPr lang="de-DE" dirty="0"/>
-          </a:p>
-          <a:p>
-            <a:pPr marL="457200" indent="-457200">
-              <a:buFont typeface="Arial" panose="020B0604020202020204" pitchFamily="34" charset="0"/>
-              <a:buChar char="•"/>
-            </a:pPr>
-            <a:endParaRPr lang="de-DE" dirty="0"/>
-          </a:p>
-          <a:p>
-            <a:pPr marL="457200" indent="-457200">
-              <a:buFont typeface="Arial" panose="020B0604020202020204" pitchFamily="34" charset="0"/>
-              <a:buChar char="•"/>
-            </a:pPr>
-            <a:endParaRPr lang="de-DE" dirty="0"/>
-          </a:p>
-          <a:p>
-            <a:pPr marL="457200" indent="-457200">
-              <a:buFont typeface="Arial" panose="020B0604020202020204" pitchFamily="34" charset="0"/>
-              <a:buChar char="•"/>
-            </a:pPr>
-            <a:endParaRPr lang="de-DE" dirty="0"/>
-          </a:p>
-        </p:txBody>
-      </p:sp>
-      <p:sp>
-        <p:nvSpPr>
-          <p:cNvPr id="8" name="Titel 7">
-            <a:extLst>
-              <a:ext uri="{FF2B5EF4-FFF2-40B4-BE49-F238E27FC236}">
-                <a16:creationId xmlns:a16="http://schemas.microsoft.com/office/drawing/2014/main" id="{F996AA29-2474-347D-6BE5-20C1AD57F1C6}"/>
-              </a:ext>
-            </a:extLst>
-          </p:cNvPr>
-          <p:cNvSpPr>
-            <a:spLocks noGrp="1"/>
-          </p:cNvSpPr>
-          <p:nvPr>
-            <p:ph type="title"/>
-          </p:nvPr>
-        </p:nvSpPr>
-        <p:spPr/>
-        <p:txBody>
-          <a:bodyPr/>
-          <a:lstStyle/>
-          <a:p>
-            <a:r>
-              <a:rPr lang="de-DE" dirty="0" err="1"/>
-              <a:t>Conclusion</a:t>
-            </a:r>
-            <a:endParaRPr lang="de-DE" dirty="0"/>
-          </a:p>
-        </p:txBody>
-      </p:sp>
     </p:spTree>
     <p:extLst>
       <p:ext uri="{BB962C8B-B14F-4D97-AF65-F5344CB8AC3E}">
-        <p14:creationId xmlns:p14="http://schemas.microsoft.com/office/powerpoint/2010/main" val="162438805"/>
+        <p14:creationId xmlns:p14="http://schemas.microsoft.com/office/powerpoint/2010/main" val="2865052305"/>
       </p:ext>
     </p:extLst>
   </p:cSld>
@@ -14645,6 +14474,231 @@
 </file>
 
 <file path=ppt/slides/slide36.xml><?xml version="1.0" encoding="utf-8"?>
+<p:sld xmlns:a="http://schemas.openxmlformats.org/drawingml/2006/main" xmlns:r="http://schemas.openxmlformats.org/officeDocument/2006/relationships" xmlns:p="http://schemas.openxmlformats.org/presentationml/2006/main">
+  <p:cSld>
+    <p:spTree>
+      <p:nvGrpSpPr>
+        <p:cNvPr id="1" name="">
+          <a:extLst>
+            <a:ext uri="{FF2B5EF4-FFF2-40B4-BE49-F238E27FC236}">
+              <a16:creationId xmlns:a16="http://schemas.microsoft.com/office/drawing/2014/main" id="{35669913-AE1F-590C-A7CD-94746E87F36B}"/>
+            </a:ext>
+          </a:extLst>
+        </p:cNvPr>
+        <p:cNvGrpSpPr/>
+        <p:nvPr/>
+      </p:nvGrpSpPr>
+      <p:grpSpPr>
+        <a:xfrm>
+          <a:off x="0" y="0"/>
+          <a:ext cx="0" cy="0"/>
+          <a:chOff x="0" y="0"/>
+          <a:chExt cx="0" cy="0"/>
+        </a:xfrm>
+      </p:grpSpPr>
+      <p:sp>
+        <p:nvSpPr>
+          <p:cNvPr id="2" name="Bildplatzhalter 1">
+            <a:extLst>
+              <a:ext uri="{FF2B5EF4-FFF2-40B4-BE49-F238E27FC236}">
+                <a16:creationId xmlns:a16="http://schemas.microsoft.com/office/drawing/2014/main" id="{AE244E23-32FC-1441-C8D6-AD99C1EC0AF3}"/>
+              </a:ext>
+            </a:extLst>
+          </p:cNvPr>
+          <p:cNvSpPr>
+            <a:spLocks noGrp="1"/>
+          </p:cNvSpPr>
+          <p:nvPr>
+            <p:ph type="pic" sz="quarter" idx="15"/>
+          </p:nvPr>
+        </p:nvSpPr>
+        <p:spPr/>
+        <p:txBody>
+          <a:bodyPr/>
+          <a:lstStyle/>
+          <a:p>
+            <a:endParaRPr lang="de-DE"/>
+          </a:p>
+        </p:txBody>
+      </p:sp>
+      <p:sp>
+        <p:nvSpPr>
+          <p:cNvPr id="3" name="Textplatzhalter 2">
+            <a:extLst>
+              <a:ext uri="{FF2B5EF4-FFF2-40B4-BE49-F238E27FC236}">
+                <a16:creationId xmlns:a16="http://schemas.microsoft.com/office/drawing/2014/main" id="{1D845D88-6BC9-A1ED-6536-D2E1C04F653E}"/>
+              </a:ext>
+            </a:extLst>
+          </p:cNvPr>
+          <p:cNvSpPr>
+            <a:spLocks noGrp="1"/>
+          </p:cNvSpPr>
+          <p:nvPr>
+            <p:ph type="body" sz="quarter" idx="16"/>
+          </p:nvPr>
+        </p:nvSpPr>
+        <p:spPr/>
+        <p:txBody>
+          <a:bodyPr/>
+          <a:lstStyle/>
+          <a:p>
+            <a:endParaRPr lang="de-DE"/>
+          </a:p>
+        </p:txBody>
+      </p:sp>
+      <p:sp>
+        <p:nvSpPr>
+          <p:cNvPr id="4" name="Datumsplatzhalter 3">
+            <a:extLst>
+              <a:ext uri="{FF2B5EF4-FFF2-40B4-BE49-F238E27FC236}">
+                <a16:creationId xmlns:a16="http://schemas.microsoft.com/office/drawing/2014/main" id="{1917C6C0-5ECE-7A93-2BE8-144341E702C6}"/>
+              </a:ext>
+            </a:extLst>
+          </p:cNvPr>
+          <p:cNvSpPr>
+            <a:spLocks noGrp="1"/>
+          </p:cNvSpPr>
+          <p:nvPr>
+            <p:ph type="dt" sz="half" idx="10"/>
+          </p:nvPr>
+        </p:nvSpPr>
+        <p:spPr/>
+        <p:txBody>
+          <a:bodyPr/>
+          <a:lstStyle/>
+          <a:p>
+            <a:r>
+              <a:rPr lang="de-DE" dirty="0"/>
+              <a:t>Anna Reiter, Chiara Perocco</a:t>
+            </a:r>
+          </a:p>
+        </p:txBody>
+      </p:sp>
+      <p:sp>
+        <p:nvSpPr>
+          <p:cNvPr id="5" name="Fußzeilenplatzhalter 4">
+            <a:extLst>
+              <a:ext uri="{FF2B5EF4-FFF2-40B4-BE49-F238E27FC236}">
+                <a16:creationId xmlns:a16="http://schemas.microsoft.com/office/drawing/2014/main" id="{F1447FDE-2D6F-7217-286C-71AB364A3AD1}"/>
+              </a:ext>
+            </a:extLst>
+          </p:cNvPr>
+          <p:cNvSpPr>
+            <a:spLocks noGrp="1"/>
+          </p:cNvSpPr>
+          <p:nvPr>
+            <p:ph type="ftr" sz="quarter" idx="11"/>
+          </p:nvPr>
+        </p:nvSpPr>
+        <p:spPr/>
+        <p:txBody>
+          <a:bodyPr/>
+          <a:lstStyle/>
+          <a:p>
+            <a:r>
+              <a:rPr lang="de-DE"/>
+              <a:t>Advanced Deep Learning </a:t>
+            </a:r>
+            <a:endParaRPr lang="de-DE" dirty="0"/>
+          </a:p>
+        </p:txBody>
+      </p:sp>
+      <p:sp>
+        <p:nvSpPr>
+          <p:cNvPr id="6" name="Foliennummernplatzhalter 5">
+            <a:extLst>
+              <a:ext uri="{FF2B5EF4-FFF2-40B4-BE49-F238E27FC236}">
+                <a16:creationId xmlns:a16="http://schemas.microsoft.com/office/drawing/2014/main" id="{8FD164F7-008E-C240-AF90-1AD82622C2A1}"/>
+              </a:ext>
+            </a:extLst>
+          </p:cNvPr>
+          <p:cNvSpPr>
+            <a:spLocks noGrp="1"/>
+          </p:cNvSpPr>
+          <p:nvPr>
+            <p:ph type="sldNum" sz="quarter" idx="12"/>
+          </p:nvPr>
+        </p:nvSpPr>
+        <p:spPr/>
+        <p:txBody>
+          <a:bodyPr/>
+          <a:lstStyle/>
+          <a:p>
+            <a:fld id="{A13361CF-9A47-4C8C-A01E-566DC0626ACC}" type="slidenum">
+              <a:rPr lang="de-DE" smtClean="0"/>
+              <a:t>36</a:t>
+            </a:fld>
+            <a:endParaRPr lang="de-DE"/>
+          </a:p>
+        </p:txBody>
+      </p:sp>
+      <p:sp>
+        <p:nvSpPr>
+          <p:cNvPr id="7" name="Textplatzhalter 6">
+            <a:extLst>
+              <a:ext uri="{FF2B5EF4-FFF2-40B4-BE49-F238E27FC236}">
+                <a16:creationId xmlns:a16="http://schemas.microsoft.com/office/drawing/2014/main" id="{F8D8339B-8CB7-091E-DB8C-96BB472C24E7}"/>
+              </a:ext>
+            </a:extLst>
+          </p:cNvPr>
+          <p:cNvSpPr>
+            <a:spLocks noGrp="1"/>
+          </p:cNvSpPr>
+          <p:nvPr>
+            <p:ph type="body" sz="quarter" idx="14"/>
+          </p:nvPr>
+        </p:nvSpPr>
+        <p:spPr/>
+        <p:txBody>
+          <a:bodyPr/>
+          <a:lstStyle/>
+          <a:p>
+            <a:endParaRPr lang="de-DE"/>
+          </a:p>
+        </p:txBody>
+      </p:sp>
+      <p:sp>
+        <p:nvSpPr>
+          <p:cNvPr id="8" name="Titel 7">
+            <a:extLst>
+              <a:ext uri="{FF2B5EF4-FFF2-40B4-BE49-F238E27FC236}">
+                <a16:creationId xmlns:a16="http://schemas.microsoft.com/office/drawing/2014/main" id="{C6BE9DBC-BB3B-F0FD-B24C-2A7F9EC13E90}"/>
+              </a:ext>
+            </a:extLst>
+          </p:cNvPr>
+          <p:cNvSpPr>
+            <a:spLocks noGrp="1"/>
+          </p:cNvSpPr>
+          <p:nvPr>
+            <p:ph type="title"/>
+          </p:nvPr>
+        </p:nvSpPr>
+        <p:spPr/>
+        <p:txBody>
+          <a:bodyPr/>
+          <a:lstStyle/>
+          <a:p>
+            <a:r>
+              <a:rPr lang="de-DE" dirty="0"/>
+              <a:t>Outlook</a:t>
+            </a:r>
+          </a:p>
+        </p:txBody>
+      </p:sp>
+    </p:spTree>
+    <p:extLst>
+      <p:ext uri="{BB962C8B-B14F-4D97-AF65-F5344CB8AC3E}">
+        <p14:creationId xmlns:p14="http://schemas.microsoft.com/office/powerpoint/2010/main" val="4142548322"/>
+      </p:ext>
+    </p:extLst>
+  </p:cSld>
+  <p:clrMapOvr>
+    <a:masterClrMapping/>
+  </p:clrMapOvr>
+</p:sld>
+</file>
+
+<file path=ppt/slides/slide37.xml><?xml version="1.0" encoding="utf-8"?>
 <p:sld xmlns:a="http://schemas.openxmlformats.org/drawingml/2006/main" xmlns:r="http://schemas.openxmlformats.org/officeDocument/2006/relationships" xmlns:p="http://schemas.openxmlformats.org/presentationml/2006/main">
   <p:cSld>
     <p:spTree>
@@ -14716,6 +14770,56 @@
           <a:bodyPr/>
           <a:lstStyle/>
           <a:p>
+            <a:r>
+              <a:rPr lang="de-DE" dirty="0"/>
+              <a:t>Fine-tuning </a:t>
+            </a:r>
+            <a:r>
+              <a:rPr lang="de-DE" dirty="0" err="1"/>
+              <a:t>Diffusionmodel</a:t>
+            </a:r>
+            <a:r>
+              <a:rPr lang="de-DE" dirty="0"/>
+              <a:t> </a:t>
+            </a:r>
+            <a:r>
+              <a:rPr lang="de-DE" dirty="0" err="1"/>
+              <a:t>for</a:t>
+            </a:r>
+            <a:r>
+              <a:rPr lang="de-DE" dirty="0"/>
+              <a:t> </a:t>
+            </a:r>
+            <a:r>
+              <a:rPr lang="de-DE" dirty="0" err="1"/>
+              <a:t>better</a:t>
+            </a:r>
+            <a:r>
+              <a:rPr lang="de-DE" dirty="0"/>
+              <a:t> </a:t>
+            </a:r>
+            <a:r>
+              <a:rPr lang="de-DE" dirty="0" err="1"/>
+              <a:t>results</a:t>
+            </a:r>
+            <a:endParaRPr lang="de-DE" dirty="0"/>
+          </a:p>
+          <a:p>
+            <a:r>
+              <a:rPr lang="de-DE" dirty="0" err="1"/>
+              <a:t>better</a:t>
+            </a:r>
+            <a:r>
+              <a:rPr lang="de-DE" dirty="0"/>
+              <a:t> </a:t>
+            </a:r>
+            <a:r>
+              <a:rPr lang="de-DE" dirty="0" err="1"/>
+              <a:t>prompts</a:t>
+            </a:r>
+            <a:endParaRPr lang="de-DE" dirty="0"/>
+          </a:p>
+          <a:p>
             <a:endParaRPr lang="de-DE" dirty="0"/>
           </a:p>
         </p:txBody>
@@ -14800,7 +14904,7 @@
           <a:p>
             <a:fld id="{A13361CF-9A47-4C8C-A01E-566DC0626ACC}" type="slidenum">
               <a:rPr lang="de-DE" smtClean="0"/>
-              <a:t>36</a:t>
+              <a:t>37</a:t>
             </a:fld>
             <a:endParaRPr lang="de-DE"/>
           </a:p>

--- a/Presentation/pres.pptx
+++ b/Presentation/pres.pptx
@@ -251,7 +251,7 @@
           <a:p>
             <a:fld id="{5D634CDC-2FDF-4C1B-8C8F-397BA5B2D9C2}" type="datetimeFigureOut">
               <a:rPr lang="de-DE" smtClean="0"/>
-              <a:t>15.01.2025</a:t>
+              <a:t>16.01.2025</a:t>
             </a:fld>
             <a:endParaRPr lang="de-DE"/>
           </a:p>
@@ -428,7 +428,7 @@
           <a:p>
             <a:fld id="{41D9D135-AC5D-412D-9E0E-623545EAE33D}" type="datetimeFigureOut">
               <a:rPr lang="de-DE" smtClean="0"/>
-              <a:t>15.01.2025</a:t>
+              <a:t>16.01.2025</a:t>
             </a:fld>
             <a:endParaRPr lang="de-DE"/>
           </a:p>
@@ -7756,150 +7756,6 @@
           <a:chExt cx="0" cy="0"/>
         </a:xfrm>
       </p:grpSpPr>
-      <p:sp>
-        <p:nvSpPr>
-          <p:cNvPr id="9" name="Titel 8">
-            <a:extLst>
-              <a:ext uri="{FF2B5EF4-FFF2-40B4-BE49-F238E27FC236}">
-                <a16:creationId xmlns:a16="http://schemas.microsoft.com/office/drawing/2014/main" id="{5A825DEA-049C-E6D8-3432-88BA80A05299}"/>
-              </a:ext>
-            </a:extLst>
-          </p:cNvPr>
-          <p:cNvSpPr>
-            <a:spLocks noGrp="1"/>
-          </p:cNvSpPr>
-          <p:nvPr>
-            <p:ph type="title"/>
-          </p:nvPr>
-        </p:nvSpPr>
-        <p:spPr/>
-        <p:txBody>
-          <a:bodyPr/>
-          <a:lstStyle/>
-          <a:p>
-            <a:r>
-              <a:rPr lang="de-DE" dirty="0"/>
-              <a:t>Ds1 – </a:t>
-            </a:r>
-            <a:r>
-              <a:rPr lang="de-DE" dirty="0" err="1"/>
-              <a:t>AlexNet</a:t>
-            </a:r>
-            <a:endParaRPr lang="de-DE" dirty="0"/>
-          </a:p>
-        </p:txBody>
-      </p:sp>
-      <p:sp>
-        <p:nvSpPr>
-          <p:cNvPr id="10" name="Inhaltsplatzhalter 9">
-            <a:extLst>
-              <a:ext uri="{FF2B5EF4-FFF2-40B4-BE49-F238E27FC236}">
-                <a16:creationId xmlns:a16="http://schemas.microsoft.com/office/drawing/2014/main" id="{3725AC4E-A8AF-5324-3BFB-EB2369047B3F}"/>
-              </a:ext>
-            </a:extLst>
-          </p:cNvPr>
-          <p:cNvSpPr>
-            <a:spLocks noGrp="1"/>
-          </p:cNvSpPr>
-          <p:nvPr>
-            <p:ph idx="1"/>
-          </p:nvPr>
-        </p:nvSpPr>
-        <p:spPr/>
-        <p:txBody>
-          <a:bodyPr/>
-          <a:lstStyle/>
-          <a:p>
-            <a:endParaRPr lang="de-DE" dirty="0"/>
-          </a:p>
-        </p:txBody>
-      </p:sp>
-      <p:sp>
-        <p:nvSpPr>
-          <p:cNvPr id="4" name="Datumsplatzhalter 3">
-            <a:extLst>
-              <a:ext uri="{FF2B5EF4-FFF2-40B4-BE49-F238E27FC236}">
-                <a16:creationId xmlns:a16="http://schemas.microsoft.com/office/drawing/2014/main" id="{13FEC456-7514-50A1-D727-E90ED7C27731}"/>
-              </a:ext>
-            </a:extLst>
-          </p:cNvPr>
-          <p:cNvSpPr>
-            <a:spLocks noGrp="1"/>
-          </p:cNvSpPr>
-          <p:nvPr>
-            <p:ph type="dt" sz="half" idx="10"/>
-          </p:nvPr>
-        </p:nvSpPr>
-        <p:spPr/>
-        <p:txBody>
-          <a:bodyPr/>
-          <a:lstStyle/>
-          <a:p>
-            <a:r>
-              <a:rPr lang="de-DE" dirty="0"/>
-              <a:t>Anna Reiter, Chiara Perocco</a:t>
-            </a:r>
-          </a:p>
-        </p:txBody>
-      </p:sp>
-      <p:sp>
-        <p:nvSpPr>
-          <p:cNvPr id="5" name="Fußzeilenplatzhalter 4">
-            <a:extLst>
-              <a:ext uri="{FF2B5EF4-FFF2-40B4-BE49-F238E27FC236}">
-                <a16:creationId xmlns:a16="http://schemas.microsoft.com/office/drawing/2014/main" id="{0459CC26-6016-51F3-BC81-3D1BB0F11B09}"/>
-              </a:ext>
-            </a:extLst>
-          </p:cNvPr>
-          <p:cNvSpPr>
-            <a:spLocks noGrp="1"/>
-          </p:cNvSpPr>
-          <p:nvPr>
-            <p:ph type="ftr" sz="quarter" idx="11"/>
-          </p:nvPr>
-        </p:nvSpPr>
-        <p:spPr/>
-        <p:txBody>
-          <a:bodyPr/>
-          <a:lstStyle/>
-          <a:p>
-            <a:r>
-              <a:rPr lang="de-DE"/>
-              <a:t>Advanced Deep Learning </a:t>
-            </a:r>
-            <a:endParaRPr lang="de-DE" dirty="0"/>
-          </a:p>
-        </p:txBody>
-      </p:sp>
-      <p:sp>
-        <p:nvSpPr>
-          <p:cNvPr id="6" name="Foliennummernplatzhalter 5">
-            <a:extLst>
-              <a:ext uri="{FF2B5EF4-FFF2-40B4-BE49-F238E27FC236}">
-                <a16:creationId xmlns:a16="http://schemas.microsoft.com/office/drawing/2014/main" id="{0B33E341-BA2A-E803-5EED-45C63E26DBD5}"/>
-              </a:ext>
-            </a:extLst>
-          </p:cNvPr>
-          <p:cNvSpPr>
-            <a:spLocks noGrp="1"/>
-          </p:cNvSpPr>
-          <p:nvPr>
-            <p:ph type="sldNum" sz="quarter" idx="12"/>
-          </p:nvPr>
-        </p:nvSpPr>
-        <p:spPr/>
-        <p:txBody>
-          <a:bodyPr/>
-          <a:lstStyle/>
-          <a:p>
-            <a:fld id="{A13361CF-9A47-4C8C-A01E-566DC0626ACC}" type="slidenum">
-              <a:rPr lang="de-DE" smtClean="0"/>
-              <a:t>16</a:t>
-            </a:fld>
-            <a:endParaRPr lang="de-DE"/>
-          </a:p>
-        </p:txBody>
-      </p:sp>
       <p:pic>
         <p:nvPicPr>
           <p:cNvPr id="2" name="Grafik 1">
@@ -7930,6 +7786,181 @@
           </a:prstGeom>
         </p:spPr>
       </p:pic>
+      <p:sp>
+        <p:nvSpPr>
+          <p:cNvPr id="9" name="Titel 8">
+            <a:extLst>
+              <a:ext uri="{FF2B5EF4-FFF2-40B4-BE49-F238E27FC236}">
+                <a16:creationId xmlns:a16="http://schemas.microsoft.com/office/drawing/2014/main" id="{5A825DEA-049C-E6D8-3432-88BA80A05299}"/>
+              </a:ext>
+            </a:extLst>
+          </p:cNvPr>
+          <p:cNvSpPr>
+            <a:spLocks noGrp="1"/>
+          </p:cNvSpPr>
+          <p:nvPr>
+            <p:ph type="title"/>
+          </p:nvPr>
+        </p:nvSpPr>
+        <p:spPr/>
+        <p:txBody>
+          <a:bodyPr/>
+          <a:lstStyle/>
+          <a:p>
+            <a:r>
+              <a:rPr lang="de-DE" dirty="0"/>
+              <a:t>Ds1 – </a:t>
+            </a:r>
+            <a:r>
+              <a:rPr lang="de-DE" dirty="0" err="1"/>
+              <a:t>AlexNet</a:t>
+            </a:r>
+            <a:endParaRPr lang="de-DE" dirty="0"/>
+          </a:p>
+        </p:txBody>
+      </p:sp>
+      <p:sp>
+        <p:nvSpPr>
+          <p:cNvPr id="10" name="Inhaltsplatzhalter 9">
+            <a:extLst>
+              <a:ext uri="{FF2B5EF4-FFF2-40B4-BE49-F238E27FC236}">
+                <a16:creationId xmlns:a16="http://schemas.microsoft.com/office/drawing/2014/main" id="{3725AC4E-A8AF-5324-3BFB-EB2369047B3F}"/>
+              </a:ext>
+            </a:extLst>
+          </p:cNvPr>
+          <p:cNvSpPr>
+            <a:spLocks noGrp="1"/>
+          </p:cNvSpPr>
+          <p:nvPr>
+            <p:ph idx="1"/>
+          </p:nvPr>
+        </p:nvSpPr>
+        <p:spPr>
+          <a:xfrm>
+            <a:off x="371475" y="964149"/>
+            <a:ext cx="11449049" cy="4665127"/>
+          </a:xfrm>
+        </p:spPr>
+        <p:txBody>
+          <a:bodyPr/>
+          <a:lstStyle/>
+          <a:p>
+            <a:pPr marL="0" indent="0">
+              <a:buNone/>
+            </a:pPr>
+            <a:r>
+              <a:rPr lang="de-DE" dirty="0" err="1"/>
+              <a:t>Learningrate</a:t>
+            </a:r>
+            <a:r>
+              <a:rPr lang="de-DE" dirty="0"/>
+              <a:t>: 3.99e-05; Batch </a:t>
+            </a:r>
+            <a:r>
+              <a:rPr lang="de-DE" dirty="0" err="1"/>
+              <a:t>size</a:t>
+            </a:r>
+            <a:r>
+              <a:rPr lang="de-DE" dirty="0"/>
+              <a:t>: 64; </a:t>
+            </a:r>
+            <a:r>
+              <a:rPr lang="de-DE" dirty="0" err="1"/>
+              <a:t>Epochs</a:t>
+            </a:r>
+            <a:r>
+              <a:rPr lang="de-DE" dirty="0"/>
+              <a:t>: 35</a:t>
+            </a:r>
+          </a:p>
+        </p:txBody>
+      </p:sp>
+      <p:sp>
+        <p:nvSpPr>
+          <p:cNvPr id="4" name="Datumsplatzhalter 3">
+            <a:extLst>
+              <a:ext uri="{FF2B5EF4-FFF2-40B4-BE49-F238E27FC236}">
+                <a16:creationId xmlns:a16="http://schemas.microsoft.com/office/drawing/2014/main" id="{13FEC456-7514-50A1-D727-E90ED7C27731}"/>
+              </a:ext>
+            </a:extLst>
+          </p:cNvPr>
+          <p:cNvSpPr>
+            <a:spLocks noGrp="1"/>
+          </p:cNvSpPr>
+          <p:nvPr>
+            <p:ph type="dt" sz="half" idx="10"/>
+          </p:nvPr>
+        </p:nvSpPr>
+        <p:spPr/>
+        <p:txBody>
+          <a:bodyPr/>
+          <a:lstStyle/>
+          <a:p>
+            <a:r>
+              <a:rPr lang="de-DE" dirty="0"/>
+              <a:t>Anna Reiter, Chiara Perocco</a:t>
+            </a:r>
+          </a:p>
+        </p:txBody>
+      </p:sp>
+      <p:sp>
+        <p:nvSpPr>
+          <p:cNvPr id="5" name="Fußzeilenplatzhalter 4">
+            <a:extLst>
+              <a:ext uri="{FF2B5EF4-FFF2-40B4-BE49-F238E27FC236}">
+                <a16:creationId xmlns:a16="http://schemas.microsoft.com/office/drawing/2014/main" id="{0459CC26-6016-51F3-BC81-3D1BB0F11B09}"/>
+              </a:ext>
+            </a:extLst>
+          </p:cNvPr>
+          <p:cNvSpPr>
+            <a:spLocks noGrp="1"/>
+          </p:cNvSpPr>
+          <p:nvPr>
+            <p:ph type="ftr" sz="quarter" idx="11"/>
+          </p:nvPr>
+        </p:nvSpPr>
+        <p:spPr/>
+        <p:txBody>
+          <a:bodyPr/>
+          <a:lstStyle/>
+          <a:p>
+            <a:r>
+              <a:rPr lang="de-DE"/>
+              <a:t>Advanced Deep Learning </a:t>
+            </a:r>
+            <a:endParaRPr lang="de-DE" dirty="0"/>
+          </a:p>
+        </p:txBody>
+      </p:sp>
+      <p:sp>
+        <p:nvSpPr>
+          <p:cNvPr id="6" name="Foliennummernplatzhalter 5">
+            <a:extLst>
+              <a:ext uri="{FF2B5EF4-FFF2-40B4-BE49-F238E27FC236}">
+                <a16:creationId xmlns:a16="http://schemas.microsoft.com/office/drawing/2014/main" id="{0B33E341-BA2A-E803-5EED-45C63E26DBD5}"/>
+              </a:ext>
+            </a:extLst>
+          </p:cNvPr>
+          <p:cNvSpPr>
+            <a:spLocks noGrp="1"/>
+          </p:cNvSpPr>
+          <p:nvPr>
+            <p:ph type="sldNum" sz="quarter" idx="12"/>
+          </p:nvPr>
+        </p:nvSpPr>
+        <p:spPr/>
+        <p:txBody>
+          <a:bodyPr/>
+          <a:lstStyle/>
+          <a:p>
+            <a:fld id="{A13361CF-9A47-4C8C-A01E-566DC0626ACC}" type="slidenum">
+              <a:rPr lang="de-DE" smtClean="0"/>
+              <a:t>16</a:t>
+            </a:fld>
+            <a:endParaRPr lang="de-DE"/>
+          </a:p>
+        </p:txBody>
+      </p:sp>
     </p:spTree>
     <p:extLst>
       <p:ext uri="{BB962C8B-B14F-4D97-AF65-F5344CB8AC3E}">
@@ -8568,145 +8599,6 @@
           <a:chExt cx="0" cy="0"/>
         </a:xfrm>
       </p:grpSpPr>
-      <p:sp>
-        <p:nvSpPr>
-          <p:cNvPr id="2" name="Titel 1">
-            <a:extLst>
-              <a:ext uri="{FF2B5EF4-FFF2-40B4-BE49-F238E27FC236}">
-                <a16:creationId xmlns:a16="http://schemas.microsoft.com/office/drawing/2014/main" id="{69170D2E-E26D-0CDC-CCAE-12D263F56AD4}"/>
-              </a:ext>
-            </a:extLst>
-          </p:cNvPr>
-          <p:cNvSpPr>
-            <a:spLocks noGrp="1"/>
-          </p:cNvSpPr>
-          <p:nvPr>
-            <p:ph type="title"/>
-          </p:nvPr>
-        </p:nvSpPr>
-        <p:spPr/>
-        <p:txBody>
-          <a:bodyPr/>
-          <a:lstStyle/>
-          <a:p>
-            <a:r>
-              <a:rPr lang="de-DE" dirty="0"/>
-              <a:t>Ds1 – ResNet50</a:t>
-            </a:r>
-          </a:p>
-        </p:txBody>
-      </p:sp>
-      <p:sp>
-        <p:nvSpPr>
-          <p:cNvPr id="3" name="Inhaltsplatzhalter 2">
-            <a:extLst>
-              <a:ext uri="{FF2B5EF4-FFF2-40B4-BE49-F238E27FC236}">
-                <a16:creationId xmlns:a16="http://schemas.microsoft.com/office/drawing/2014/main" id="{A9E8F293-6EC1-3E8C-CA0E-BD4D56DF4568}"/>
-              </a:ext>
-            </a:extLst>
-          </p:cNvPr>
-          <p:cNvSpPr>
-            <a:spLocks noGrp="1"/>
-          </p:cNvSpPr>
-          <p:nvPr>
-            <p:ph idx="1"/>
-          </p:nvPr>
-        </p:nvSpPr>
-        <p:spPr/>
-        <p:txBody>
-          <a:bodyPr/>
-          <a:lstStyle/>
-          <a:p>
-            <a:endParaRPr lang="de-DE"/>
-          </a:p>
-        </p:txBody>
-      </p:sp>
-      <p:sp>
-        <p:nvSpPr>
-          <p:cNvPr id="4" name="Datumsplatzhalter 3">
-            <a:extLst>
-              <a:ext uri="{FF2B5EF4-FFF2-40B4-BE49-F238E27FC236}">
-                <a16:creationId xmlns:a16="http://schemas.microsoft.com/office/drawing/2014/main" id="{9EB22635-D8E1-FC5F-AFFB-1C34F62564AD}"/>
-              </a:ext>
-            </a:extLst>
-          </p:cNvPr>
-          <p:cNvSpPr>
-            <a:spLocks noGrp="1"/>
-          </p:cNvSpPr>
-          <p:nvPr>
-            <p:ph type="dt" sz="half" idx="10"/>
-          </p:nvPr>
-        </p:nvSpPr>
-        <p:spPr/>
-        <p:txBody>
-          <a:bodyPr/>
-          <a:lstStyle/>
-          <a:p>
-            <a:r>
-              <a:rPr lang="de-DE" dirty="0"/>
-              <a:t>Anna Reiter, Chiara Perocco</a:t>
-            </a:r>
-          </a:p>
-        </p:txBody>
-      </p:sp>
-      <p:sp>
-        <p:nvSpPr>
-          <p:cNvPr id="5" name="Fußzeilenplatzhalter 4">
-            <a:extLst>
-              <a:ext uri="{FF2B5EF4-FFF2-40B4-BE49-F238E27FC236}">
-                <a16:creationId xmlns:a16="http://schemas.microsoft.com/office/drawing/2014/main" id="{938594C0-055E-785C-E28A-03B9A4E12158}"/>
-              </a:ext>
-            </a:extLst>
-          </p:cNvPr>
-          <p:cNvSpPr>
-            <a:spLocks noGrp="1"/>
-          </p:cNvSpPr>
-          <p:nvPr>
-            <p:ph type="ftr" sz="quarter" idx="11"/>
-          </p:nvPr>
-        </p:nvSpPr>
-        <p:spPr/>
-        <p:txBody>
-          <a:bodyPr/>
-          <a:lstStyle/>
-          <a:p>
-            <a:r>
-              <a:rPr lang="de-DE"/>
-              <a:t>Advanced Deep Learning </a:t>
-            </a:r>
-          </a:p>
-        </p:txBody>
-      </p:sp>
-      <p:sp>
-        <p:nvSpPr>
-          <p:cNvPr id="6" name="Foliennummernplatzhalter 5">
-            <a:extLst>
-              <a:ext uri="{FF2B5EF4-FFF2-40B4-BE49-F238E27FC236}">
-                <a16:creationId xmlns:a16="http://schemas.microsoft.com/office/drawing/2014/main" id="{7944ED81-309A-2EBC-DCC3-8E4EA621D56C}"/>
-              </a:ext>
-            </a:extLst>
-          </p:cNvPr>
-          <p:cNvSpPr>
-            <a:spLocks noGrp="1"/>
-          </p:cNvSpPr>
-          <p:nvPr>
-            <p:ph type="sldNum" sz="quarter" idx="12"/>
-          </p:nvPr>
-        </p:nvSpPr>
-        <p:spPr/>
-        <p:txBody>
-          <a:bodyPr/>
-          <a:lstStyle/>
-          <a:p>
-            <a:fld id="{A13361CF-9A47-4C8C-A01E-566DC0626ACC}" type="slidenum">
-              <a:rPr lang="de-DE" smtClean="0"/>
-              <a:pPr/>
-              <a:t>19</a:t>
-            </a:fld>
-            <a:endParaRPr lang="de-DE"/>
-          </a:p>
-        </p:txBody>
-      </p:sp>
       <p:pic>
         <p:nvPicPr>
           <p:cNvPr id="7" name="Grafik 6">
@@ -8737,6 +8629,176 @@
           </a:prstGeom>
         </p:spPr>
       </p:pic>
+      <p:sp>
+        <p:nvSpPr>
+          <p:cNvPr id="2" name="Titel 1">
+            <a:extLst>
+              <a:ext uri="{FF2B5EF4-FFF2-40B4-BE49-F238E27FC236}">
+                <a16:creationId xmlns:a16="http://schemas.microsoft.com/office/drawing/2014/main" id="{69170D2E-E26D-0CDC-CCAE-12D263F56AD4}"/>
+              </a:ext>
+            </a:extLst>
+          </p:cNvPr>
+          <p:cNvSpPr>
+            <a:spLocks noGrp="1"/>
+          </p:cNvSpPr>
+          <p:nvPr>
+            <p:ph type="title"/>
+          </p:nvPr>
+        </p:nvSpPr>
+        <p:spPr/>
+        <p:txBody>
+          <a:bodyPr/>
+          <a:lstStyle/>
+          <a:p>
+            <a:r>
+              <a:rPr lang="de-DE" dirty="0"/>
+              <a:t>Ds1 – ResNet50</a:t>
+            </a:r>
+          </a:p>
+        </p:txBody>
+      </p:sp>
+      <p:sp>
+        <p:nvSpPr>
+          <p:cNvPr id="3" name="Inhaltsplatzhalter 2">
+            <a:extLst>
+              <a:ext uri="{FF2B5EF4-FFF2-40B4-BE49-F238E27FC236}">
+                <a16:creationId xmlns:a16="http://schemas.microsoft.com/office/drawing/2014/main" id="{A9E8F293-6EC1-3E8C-CA0E-BD4D56DF4568}"/>
+              </a:ext>
+            </a:extLst>
+          </p:cNvPr>
+          <p:cNvSpPr>
+            <a:spLocks noGrp="1"/>
+          </p:cNvSpPr>
+          <p:nvPr>
+            <p:ph idx="1"/>
+          </p:nvPr>
+        </p:nvSpPr>
+        <p:spPr>
+          <a:xfrm>
+            <a:off x="371475" y="936640"/>
+            <a:ext cx="11449049" cy="4665127"/>
+          </a:xfrm>
+        </p:spPr>
+        <p:txBody>
+          <a:bodyPr/>
+          <a:lstStyle/>
+          <a:p>
+            <a:pPr marL="0" indent="0">
+              <a:buNone/>
+            </a:pPr>
+            <a:r>
+              <a:rPr lang="de-DE" dirty="0" err="1"/>
+              <a:t>Learningrate</a:t>
+            </a:r>
+            <a:r>
+              <a:rPr lang="de-DE" dirty="0"/>
+              <a:t>: 0.0008; Batch </a:t>
+            </a:r>
+            <a:r>
+              <a:rPr lang="de-DE" dirty="0" err="1"/>
+              <a:t>size</a:t>
+            </a:r>
+            <a:r>
+              <a:rPr lang="de-DE" dirty="0"/>
+              <a:t>: 64; </a:t>
+            </a:r>
+            <a:r>
+              <a:rPr lang="de-DE" dirty="0" err="1"/>
+              <a:t>Epochs</a:t>
+            </a:r>
+            <a:r>
+              <a:rPr lang="de-DE" dirty="0"/>
+              <a:t>: 10</a:t>
+            </a:r>
+          </a:p>
+        </p:txBody>
+      </p:sp>
+      <p:sp>
+        <p:nvSpPr>
+          <p:cNvPr id="4" name="Datumsplatzhalter 3">
+            <a:extLst>
+              <a:ext uri="{FF2B5EF4-FFF2-40B4-BE49-F238E27FC236}">
+                <a16:creationId xmlns:a16="http://schemas.microsoft.com/office/drawing/2014/main" id="{9EB22635-D8E1-FC5F-AFFB-1C34F62564AD}"/>
+              </a:ext>
+            </a:extLst>
+          </p:cNvPr>
+          <p:cNvSpPr>
+            <a:spLocks noGrp="1"/>
+          </p:cNvSpPr>
+          <p:nvPr>
+            <p:ph type="dt" sz="half" idx="10"/>
+          </p:nvPr>
+        </p:nvSpPr>
+        <p:spPr/>
+        <p:txBody>
+          <a:bodyPr/>
+          <a:lstStyle/>
+          <a:p>
+            <a:r>
+              <a:rPr lang="de-DE" dirty="0"/>
+              <a:t>Anna Reiter, Chiara Perocco</a:t>
+            </a:r>
+          </a:p>
+        </p:txBody>
+      </p:sp>
+      <p:sp>
+        <p:nvSpPr>
+          <p:cNvPr id="5" name="Fußzeilenplatzhalter 4">
+            <a:extLst>
+              <a:ext uri="{FF2B5EF4-FFF2-40B4-BE49-F238E27FC236}">
+                <a16:creationId xmlns:a16="http://schemas.microsoft.com/office/drawing/2014/main" id="{938594C0-055E-785C-E28A-03B9A4E12158}"/>
+              </a:ext>
+            </a:extLst>
+          </p:cNvPr>
+          <p:cNvSpPr>
+            <a:spLocks noGrp="1"/>
+          </p:cNvSpPr>
+          <p:nvPr>
+            <p:ph type="ftr" sz="quarter" idx="11"/>
+          </p:nvPr>
+        </p:nvSpPr>
+        <p:spPr/>
+        <p:txBody>
+          <a:bodyPr/>
+          <a:lstStyle/>
+          <a:p>
+            <a:r>
+              <a:rPr lang="de-DE"/>
+              <a:t>Advanced Deep Learning </a:t>
+            </a:r>
+          </a:p>
+        </p:txBody>
+      </p:sp>
+      <p:sp>
+        <p:nvSpPr>
+          <p:cNvPr id="6" name="Foliennummernplatzhalter 5">
+            <a:extLst>
+              <a:ext uri="{FF2B5EF4-FFF2-40B4-BE49-F238E27FC236}">
+                <a16:creationId xmlns:a16="http://schemas.microsoft.com/office/drawing/2014/main" id="{7944ED81-309A-2EBC-DCC3-8E4EA621D56C}"/>
+              </a:ext>
+            </a:extLst>
+          </p:cNvPr>
+          <p:cNvSpPr>
+            <a:spLocks noGrp="1"/>
+          </p:cNvSpPr>
+          <p:nvPr>
+            <p:ph type="sldNum" sz="quarter" idx="12"/>
+          </p:nvPr>
+        </p:nvSpPr>
+        <p:spPr/>
+        <p:txBody>
+          <a:bodyPr/>
+          <a:lstStyle/>
+          <a:p>
+            <a:fld id="{A13361CF-9A47-4C8C-A01E-566DC0626ACC}" type="slidenum">
+              <a:rPr lang="de-DE" smtClean="0"/>
+              <a:pPr/>
+              <a:t>19</a:t>
+            </a:fld>
+            <a:endParaRPr lang="de-DE"/>
+          </a:p>
+        </p:txBody>
+      </p:sp>
     </p:spTree>
     <p:extLst>
       <p:ext uri="{BB962C8B-B14F-4D97-AF65-F5344CB8AC3E}">
@@ -9814,150 +9876,6 @@
           <a:chExt cx="0" cy="0"/>
         </a:xfrm>
       </p:grpSpPr>
-      <p:sp>
-        <p:nvSpPr>
-          <p:cNvPr id="2" name="Titel 1">
-            <a:extLst>
-              <a:ext uri="{FF2B5EF4-FFF2-40B4-BE49-F238E27FC236}">
-                <a16:creationId xmlns:a16="http://schemas.microsoft.com/office/drawing/2014/main" id="{3E24DED5-067F-76C0-9421-6C82E622CBEB}"/>
-              </a:ext>
-            </a:extLst>
-          </p:cNvPr>
-          <p:cNvSpPr>
-            <a:spLocks noGrp="1"/>
-          </p:cNvSpPr>
-          <p:nvPr>
-            <p:ph type="title"/>
-          </p:nvPr>
-        </p:nvSpPr>
-        <p:spPr/>
-        <p:txBody>
-          <a:bodyPr/>
-          <a:lstStyle/>
-          <a:p>
-            <a:r>
-              <a:rPr lang="de-DE" dirty="0"/>
-              <a:t>Ds1 – </a:t>
-            </a:r>
-            <a:r>
-              <a:rPr lang="de-DE" dirty="0" err="1"/>
-              <a:t>VisionTransformer</a:t>
-            </a:r>
-            <a:endParaRPr lang="de-DE" dirty="0"/>
-          </a:p>
-        </p:txBody>
-      </p:sp>
-      <p:sp>
-        <p:nvSpPr>
-          <p:cNvPr id="3" name="Inhaltsplatzhalter 2">
-            <a:extLst>
-              <a:ext uri="{FF2B5EF4-FFF2-40B4-BE49-F238E27FC236}">
-                <a16:creationId xmlns:a16="http://schemas.microsoft.com/office/drawing/2014/main" id="{FAF5F2CD-0091-3D0B-09AB-065B8E360DA2}"/>
-              </a:ext>
-            </a:extLst>
-          </p:cNvPr>
-          <p:cNvSpPr>
-            <a:spLocks noGrp="1"/>
-          </p:cNvSpPr>
-          <p:nvPr>
-            <p:ph idx="1"/>
-          </p:nvPr>
-        </p:nvSpPr>
-        <p:spPr/>
-        <p:txBody>
-          <a:bodyPr/>
-          <a:lstStyle/>
-          <a:p>
-            <a:endParaRPr lang="de-DE" dirty="0"/>
-          </a:p>
-        </p:txBody>
-      </p:sp>
-      <p:sp>
-        <p:nvSpPr>
-          <p:cNvPr id="4" name="Datumsplatzhalter 3">
-            <a:extLst>
-              <a:ext uri="{FF2B5EF4-FFF2-40B4-BE49-F238E27FC236}">
-                <a16:creationId xmlns:a16="http://schemas.microsoft.com/office/drawing/2014/main" id="{40D627AB-08EE-6227-24F1-9187500D0FF3}"/>
-              </a:ext>
-            </a:extLst>
-          </p:cNvPr>
-          <p:cNvSpPr>
-            <a:spLocks noGrp="1"/>
-          </p:cNvSpPr>
-          <p:nvPr>
-            <p:ph type="dt" sz="half" idx="10"/>
-          </p:nvPr>
-        </p:nvSpPr>
-        <p:spPr/>
-        <p:txBody>
-          <a:bodyPr/>
-          <a:lstStyle/>
-          <a:p>
-            <a:r>
-              <a:rPr lang="de-DE" dirty="0"/>
-              <a:t>Anna Reiter, Chiara Perocco</a:t>
-            </a:r>
-          </a:p>
-        </p:txBody>
-      </p:sp>
-      <p:sp>
-        <p:nvSpPr>
-          <p:cNvPr id="5" name="Fußzeilenplatzhalter 4">
-            <a:extLst>
-              <a:ext uri="{FF2B5EF4-FFF2-40B4-BE49-F238E27FC236}">
-                <a16:creationId xmlns:a16="http://schemas.microsoft.com/office/drawing/2014/main" id="{106800B0-55FF-4701-823E-37696DAFC621}"/>
-              </a:ext>
-            </a:extLst>
-          </p:cNvPr>
-          <p:cNvSpPr>
-            <a:spLocks noGrp="1"/>
-          </p:cNvSpPr>
-          <p:nvPr>
-            <p:ph type="ftr" sz="quarter" idx="11"/>
-          </p:nvPr>
-        </p:nvSpPr>
-        <p:spPr/>
-        <p:txBody>
-          <a:bodyPr/>
-          <a:lstStyle/>
-          <a:p>
-            <a:r>
-              <a:rPr lang="de-DE"/>
-              <a:t>Advanced Deep Learning </a:t>
-            </a:r>
-          </a:p>
-        </p:txBody>
-      </p:sp>
-      <p:sp>
-        <p:nvSpPr>
-          <p:cNvPr id="6" name="Foliennummernplatzhalter 5">
-            <a:extLst>
-              <a:ext uri="{FF2B5EF4-FFF2-40B4-BE49-F238E27FC236}">
-                <a16:creationId xmlns:a16="http://schemas.microsoft.com/office/drawing/2014/main" id="{E78AE3F8-D473-754B-05D2-B308B1C4FCA0}"/>
-              </a:ext>
-            </a:extLst>
-          </p:cNvPr>
-          <p:cNvSpPr>
-            <a:spLocks noGrp="1"/>
-          </p:cNvSpPr>
-          <p:nvPr>
-            <p:ph type="sldNum" sz="quarter" idx="12"/>
-          </p:nvPr>
-        </p:nvSpPr>
-        <p:spPr/>
-        <p:txBody>
-          <a:bodyPr/>
-          <a:lstStyle/>
-          <a:p>
-            <a:fld id="{A13361CF-9A47-4C8C-A01E-566DC0626ACC}" type="slidenum">
-              <a:rPr lang="de-DE" smtClean="0"/>
-              <a:pPr/>
-              <a:t>22</a:t>
-            </a:fld>
-            <a:endParaRPr lang="de-DE"/>
-          </a:p>
-        </p:txBody>
-      </p:sp>
       <p:pic>
         <p:nvPicPr>
           <p:cNvPr id="7" name="Grafik 6">
@@ -9988,6 +9906,181 @@
           </a:prstGeom>
         </p:spPr>
       </p:pic>
+      <p:sp>
+        <p:nvSpPr>
+          <p:cNvPr id="2" name="Titel 1">
+            <a:extLst>
+              <a:ext uri="{FF2B5EF4-FFF2-40B4-BE49-F238E27FC236}">
+                <a16:creationId xmlns:a16="http://schemas.microsoft.com/office/drawing/2014/main" id="{3E24DED5-067F-76C0-9421-6C82E622CBEB}"/>
+              </a:ext>
+            </a:extLst>
+          </p:cNvPr>
+          <p:cNvSpPr>
+            <a:spLocks noGrp="1"/>
+          </p:cNvSpPr>
+          <p:nvPr>
+            <p:ph type="title"/>
+          </p:nvPr>
+        </p:nvSpPr>
+        <p:spPr/>
+        <p:txBody>
+          <a:bodyPr/>
+          <a:lstStyle/>
+          <a:p>
+            <a:r>
+              <a:rPr lang="de-DE" dirty="0"/>
+              <a:t>Ds1 – </a:t>
+            </a:r>
+            <a:r>
+              <a:rPr lang="de-DE" dirty="0" err="1"/>
+              <a:t>VisionTransformer</a:t>
+            </a:r>
+            <a:endParaRPr lang="de-DE" dirty="0"/>
+          </a:p>
+        </p:txBody>
+      </p:sp>
+      <p:sp>
+        <p:nvSpPr>
+          <p:cNvPr id="3" name="Inhaltsplatzhalter 2">
+            <a:extLst>
+              <a:ext uri="{FF2B5EF4-FFF2-40B4-BE49-F238E27FC236}">
+                <a16:creationId xmlns:a16="http://schemas.microsoft.com/office/drawing/2014/main" id="{FAF5F2CD-0091-3D0B-09AB-065B8E360DA2}"/>
+              </a:ext>
+            </a:extLst>
+          </p:cNvPr>
+          <p:cNvSpPr>
+            <a:spLocks noGrp="1"/>
+          </p:cNvSpPr>
+          <p:nvPr>
+            <p:ph idx="1"/>
+          </p:nvPr>
+        </p:nvSpPr>
+        <p:spPr>
+          <a:xfrm>
+            <a:off x="371473" y="947525"/>
+            <a:ext cx="11449049" cy="4665127"/>
+          </a:xfrm>
+        </p:spPr>
+        <p:txBody>
+          <a:bodyPr/>
+          <a:lstStyle/>
+          <a:p>
+            <a:pPr marL="0" indent="0">
+              <a:buNone/>
+            </a:pPr>
+            <a:r>
+              <a:rPr lang="de-DE" dirty="0" err="1"/>
+              <a:t>Learningrate</a:t>
+            </a:r>
+            <a:r>
+              <a:rPr lang="de-DE" dirty="0"/>
+              <a:t>: 0.0008; Batch </a:t>
+            </a:r>
+            <a:r>
+              <a:rPr lang="de-DE" dirty="0" err="1"/>
+              <a:t>size</a:t>
+            </a:r>
+            <a:r>
+              <a:rPr lang="de-DE" dirty="0"/>
+              <a:t>: 64; </a:t>
+            </a:r>
+            <a:r>
+              <a:rPr lang="de-DE" dirty="0" err="1"/>
+              <a:t>Epochs</a:t>
+            </a:r>
+            <a:r>
+              <a:rPr lang="de-DE" dirty="0"/>
+              <a:t>: 10</a:t>
+            </a:r>
+          </a:p>
+        </p:txBody>
+      </p:sp>
+      <p:sp>
+        <p:nvSpPr>
+          <p:cNvPr id="4" name="Datumsplatzhalter 3">
+            <a:extLst>
+              <a:ext uri="{FF2B5EF4-FFF2-40B4-BE49-F238E27FC236}">
+                <a16:creationId xmlns:a16="http://schemas.microsoft.com/office/drawing/2014/main" id="{40D627AB-08EE-6227-24F1-9187500D0FF3}"/>
+              </a:ext>
+            </a:extLst>
+          </p:cNvPr>
+          <p:cNvSpPr>
+            <a:spLocks noGrp="1"/>
+          </p:cNvSpPr>
+          <p:nvPr>
+            <p:ph type="dt" sz="half" idx="10"/>
+          </p:nvPr>
+        </p:nvSpPr>
+        <p:spPr/>
+        <p:txBody>
+          <a:bodyPr/>
+          <a:lstStyle/>
+          <a:p>
+            <a:r>
+              <a:rPr lang="de-DE" dirty="0"/>
+              <a:t>Anna Reiter, Chiara Perocco</a:t>
+            </a:r>
+          </a:p>
+        </p:txBody>
+      </p:sp>
+      <p:sp>
+        <p:nvSpPr>
+          <p:cNvPr id="5" name="Fußzeilenplatzhalter 4">
+            <a:extLst>
+              <a:ext uri="{FF2B5EF4-FFF2-40B4-BE49-F238E27FC236}">
+                <a16:creationId xmlns:a16="http://schemas.microsoft.com/office/drawing/2014/main" id="{106800B0-55FF-4701-823E-37696DAFC621}"/>
+              </a:ext>
+            </a:extLst>
+          </p:cNvPr>
+          <p:cNvSpPr>
+            <a:spLocks noGrp="1"/>
+          </p:cNvSpPr>
+          <p:nvPr>
+            <p:ph type="ftr" sz="quarter" idx="11"/>
+          </p:nvPr>
+        </p:nvSpPr>
+        <p:spPr/>
+        <p:txBody>
+          <a:bodyPr/>
+          <a:lstStyle/>
+          <a:p>
+            <a:r>
+              <a:rPr lang="de-DE"/>
+              <a:t>Advanced Deep Learning </a:t>
+            </a:r>
+          </a:p>
+        </p:txBody>
+      </p:sp>
+      <p:sp>
+        <p:nvSpPr>
+          <p:cNvPr id="6" name="Foliennummernplatzhalter 5">
+            <a:extLst>
+              <a:ext uri="{FF2B5EF4-FFF2-40B4-BE49-F238E27FC236}">
+                <a16:creationId xmlns:a16="http://schemas.microsoft.com/office/drawing/2014/main" id="{E78AE3F8-D473-754B-05D2-B308B1C4FCA0}"/>
+              </a:ext>
+            </a:extLst>
+          </p:cNvPr>
+          <p:cNvSpPr>
+            <a:spLocks noGrp="1"/>
+          </p:cNvSpPr>
+          <p:nvPr>
+            <p:ph type="sldNum" sz="quarter" idx="12"/>
+          </p:nvPr>
+        </p:nvSpPr>
+        <p:spPr/>
+        <p:txBody>
+          <a:bodyPr/>
+          <a:lstStyle/>
+          <a:p>
+            <a:fld id="{A13361CF-9A47-4C8C-A01E-566DC0626ACC}" type="slidenum">
+              <a:rPr lang="de-DE" smtClean="0"/>
+              <a:pPr/>
+              <a:t>22</a:t>
+            </a:fld>
+            <a:endParaRPr lang="de-DE"/>
+          </a:p>
+        </p:txBody>
+      </p:sp>
     </p:spTree>
     <p:extLst>
       <p:ext uri="{BB962C8B-B14F-4D97-AF65-F5344CB8AC3E}">

--- a/Presentation/pres.pptx
+++ b/Presentation/pres.pptx
@@ -6827,43 +6827,6 @@
           <a:p>
             <a:endParaRPr lang="de-DE" dirty="0"/>
           </a:p>
-          <a:p>
-            <a:r>
-              <a:rPr lang="de-DE" dirty="0"/>
-              <a:t>3. Ds3</a:t>
-            </a:r>
-          </a:p>
-          <a:p>
-            <a:r>
-              <a:rPr lang="de-DE" dirty="0"/>
-              <a:t>	3.1 </a:t>
-            </a:r>
-            <a:r>
-              <a:rPr lang="de-DE" dirty="0" err="1"/>
-              <a:t>AlexNet</a:t>
-            </a:r>
-            <a:endParaRPr lang="de-DE" dirty="0"/>
-          </a:p>
-          <a:p>
-            <a:r>
-              <a:rPr lang="de-DE" dirty="0"/>
-              <a:t>	3.2 ResNet50</a:t>
-            </a:r>
-          </a:p>
-          <a:p>
-            <a:r>
-              <a:rPr lang="de-DE" dirty="0"/>
-              <a:t>	3.3 </a:t>
-            </a:r>
-            <a:r>
-              <a:rPr lang="de-DE" dirty="0" err="1"/>
-              <a:t>VisionTransformer</a:t>
-            </a:r>
-            <a:endParaRPr lang="de-DE" dirty="0"/>
-          </a:p>
-          <a:p>
-            <a:endParaRPr lang="de-DE" dirty="0"/>
-          </a:p>
         </p:txBody>
       </p:sp>
       <p:sp>
@@ -8430,31 +8393,6 @@
       </p:sp>
       <p:sp>
         <p:nvSpPr>
-          <p:cNvPr id="10" name="Inhaltsplatzhalter 9">
-            <a:extLst>
-              <a:ext uri="{FF2B5EF4-FFF2-40B4-BE49-F238E27FC236}">
-                <a16:creationId xmlns:a16="http://schemas.microsoft.com/office/drawing/2014/main" id="{DEF635D9-48AA-7626-2D7D-E77554EBF9C7}"/>
-              </a:ext>
-            </a:extLst>
-          </p:cNvPr>
-          <p:cNvSpPr>
-            <a:spLocks noGrp="1"/>
-          </p:cNvSpPr>
-          <p:nvPr>
-            <p:ph idx="1"/>
-          </p:nvPr>
-        </p:nvSpPr>
-        <p:spPr/>
-        <p:txBody>
-          <a:bodyPr/>
-          <a:lstStyle/>
-          <a:p>
-            <a:endParaRPr lang="de-DE" dirty="0"/>
-          </a:p>
-        </p:txBody>
-      </p:sp>
-      <p:sp>
-        <p:nvSpPr>
           <p:cNvPr id="4" name="Datumsplatzhalter 3">
             <a:extLst>
               <a:ext uri="{FF2B5EF4-FFF2-40B4-BE49-F238E27FC236}">
@@ -9696,31 +9634,6 @@
               <a:rPr lang="de-DE" dirty="0"/>
               <a:t>Ds1 – ResNet50</a:t>
             </a:r>
-          </a:p>
-        </p:txBody>
-      </p:sp>
-      <p:sp>
-        <p:nvSpPr>
-          <p:cNvPr id="3" name="Inhaltsplatzhalter 2">
-            <a:extLst>
-              <a:ext uri="{FF2B5EF4-FFF2-40B4-BE49-F238E27FC236}">
-                <a16:creationId xmlns:a16="http://schemas.microsoft.com/office/drawing/2014/main" id="{F239892B-FD0E-62CE-03D8-F267ADD899F5}"/>
-              </a:ext>
-            </a:extLst>
-          </p:cNvPr>
-          <p:cNvSpPr>
-            <a:spLocks noGrp="1"/>
-          </p:cNvSpPr>
-          <p:nvPr>
-            <p:ph idx="1"/>
-          </p:nvPr>
-        </p:nvSpPr>
-        <p:spPr/>
-        <p:txBody>
-          <a:bodyPr/>
-          <a:lstStyle/>
-          <a:p>
-            <a:endParaRPr lang="de-DE" dirty="0"/>
           </a:p>
         </p:txBody>
       </p:sp>
@@ -10577,31 +10490,6 @@
       </p:sp>
       <p:sp>
         <p:nvSpPr>
-          <p:cNvPr id="3" name="Inhaltsplatzhalter 2">
-            <a:extLst>
-              <a:ext uri="{FF2B5EF4-FFF2-40B4-BE49-F238E27FC236}">
-                <a16:creationId xmlns:a16="http://schemas.microsoft.com/office/drawing/2014/main" id="{C3061E7D-2C8C-A541-4CF1-960897615969}"/>
-              </a:ext>
-            </a:extLst>
-          </p:cNvPr>
-          <p:cNvSpPr>
-            <a:spLocks noGrp="1"/>
-          </p:cNvSpPr>
-          <p:nvPr>
-            <p:ph idx="1"/>
-          </p:nvPr>
-        </p:nvSpPr>
-        <p:spPr/>
-        <p:txBody>
-          <a:bodyPr/>
-          <a:lstStyle/>
-          <a:p>
-            <a:endParaRPr lang="de-DE" dirty="0"/>
-          </a:p>
-        </p:txBody>
-      </p:sp>
-      <p:sp>
-        <p:nvSpPr>
           <p:cNvPr id="4" name="Datumsplatzhalter 3">
             <a:extLst>
               <a:ext uri="{FF2B5EF4-FFF2-40B4-BE49-F238E27FC236}">
@@ -10877,36 +10765,6 @@
           </a:p>
         </p:txBody>
       </p:sp>
-      <p:sp>
-        <p:nvSpPr>
-          <p:cNvPr id="7" name="Inhaltsplatzhalter 6">
-            <a:extLst>
-              <a:ext uri="{FF2B5EF4-FFF2-40B4-BE49-F238E27FC236}">
-                <a16:creationId xmlns:a16="http://schemas.microsoft.com/office/drawing/2014/main" id="{02FDBB67-460C-7C6D-9FFF-005B245DFA09}"/>
-              </a:ext>
-            </a:extLst>
-          </p:cNvPr>
-          <p:cNvSpPr>
-            <a:spLocks noGrp="1"/>
-          </p:cNvSpPr>
-          <p:nvPr>
-            <p:ph idx="1"/>
-          </p:nvPr>
-        </p:nvSpPr>
-        <p:spPr>
-          <a:xfrm>
-            <a:off x="371475" y="1484554"/>
-            <a:ext cx="11449049" cy="4665127"/>
-          </a:xfrm>
-        </p:spPr>
-        <p:txBody>
-          <a:bodyPr/>
-          <a:lstStyle/>
-          <a:p>
-            <a:endParaRPr lang="en-US"/>
-          </a:p>
-        </p:txBody>
-      </p:sp>
       <p:pic>
         <p:nvPicPr>
           <p:cNvPr id="9" name="Grafik 8">
@@ -10954,7 +10812,7 @@
         <p:spPr bwMode="auto">
           <a:xfrm>
             <a:off x="371473" y="843666"/>
-            <a:ext cx="6763390" cy="369332"/>
+            <a:ext cx="8340745" cy="369332"/>
           </a:xfrm>
           <a:prstGeom prst="rect">
             <a:avLst/>
@@ -11131,7 +10989,59 @@
                 <a:effectLst/>
                 <a:latin typeface="+mj-lt"/>
               </a:rPr>
-              <a:t>: 50 </a:t>
+              <a:t>: 50 (</a:t>
+            </a:r>
+            <a:r>
+              <a:rPr kumimoji="0" lang="de-DE" altLang="de-DE" b="0" i="0" u="none" strike="noStrike" cap="none" normalizeH="0" baseline="0" dirty="0" err="1">
+                <a:ln>
+                  <a:noFill/>
+                </a:ln>
+                <a:solidFill>
+                  <a:schemeClr val="tx1"/>
+                </a:solidFill>
+                <a:effectLst/>
+                <a:latin typeface="+mj-lt"/>
+              </a:rPr>
+              <a:t>early</a:t>
+            </a:r>
+            <a:r>
+              <a:rPr kumimoji="0" lang="de-DE" altLang="de-DE" b="0" i="0" u="none" strike="noStrike" cap="none" normalizeH="0" baseline="0" dirty="0">
+                <a:ln>
+                  <a:noFill/>
+                </a:ln>
+                <a:solidFill>
+                  <a:schemeClr val="tx1"/>
+                </a:solidFill>
+                <a:effectLst/>
+                <a:latin typeface="+mj-lt"/>
+              </a:rPr>
+              <a:t> </a:t>
+            </a:r>
+            <a:r>
+              <a:rPr kumimoji="0" lang="de-DE" altLang="de-DE" b="0" i="0" u="none" strike="noStrike" cap="none" normalizeH="0" baseline="0" dirty="0" err="1">
+                <a:ln>
+                  <a:noFill/>
+                </a:ln>
+                <a:solidFill>
+                  <a:schemeClr val="tx1"/>
+                </a:solidFill>
+                <a:effectLst/>
+                <a:latin typeface="+mj-lt"/>
+              </a:rPr>
+              <a:t>stopping</a:t>
+            </a:r>
+            <a:r>
+              <a:rPr kumimoji="0" lang="de-DE" altLang="de-DE" b="0" i="0" u="none" strike="noStrike" cap="none" normalizeH="0" baseline="0" dirty="0">
+                <a:ln>
+                  <a:noFill/>
+                </a:ln>
+                <a:solidFill>
+                  <a:schemeClr val="tx1"/>
+                </a:solidFill>
+                <a:effectLst/>
+                <a:latin typeface="+mj-lt"/>
+              </a:rPr>
+              <a:t>) </a:t>
             </a:r>
           </a:p>
         </p:txBody>
@@ -11733,31 +11643,6 @@
           </a:p>
         </p:txBody>
       </p:sp>
-      <p:sp>
-        <p:nvSpPr>
-          <p:cNvPr id="7" name="Inhaltsplatzhalter 6">
-            <a:extLst>
-              <a:ext uri="{FF2B5EF4-FFF2-40B4-BE49-F238E27FC236}">
-                <a16:creationId xmlns:a16="http://schemas.microsoft.com/office/drawing/2014/main" id="{0A4E2727-77D3-AB75-C177-F8A3B566FCBB}"/>
-              </a:ext>
-            </a:extLst>
-          </p:cNvPr>
-          <p:cNvSpPr>
-            <a:spLocks noGrp="1"/>
-          </p:cNvSpPr>
-          <p:nvPr>
-            <p:ph idx="1"/>
-          </p:nvPr>
-        </p:nvSpPr>
-        <p:spPr/>
-        <p:txBody>
-          <a:bodyPr/>
-          <a:lstStyle/>
-          <a:p>
-            <a:endParaRPr lang="de-DE"/>
-          </a:p>
-        </p:txBody>
-      </p:sp>
       <p:pic>
         <p:nvPicPr>
           <p:cNvPr id="9" name="Grafik 8" descr="Ein Bild, das Reihe, Diagramm, Text, Steigung enthält.&#10;&#10;Automatisch generierte Beschreibung">
@@ -11996,7 +11881,7 @@
         <p:spPr bwMode="auto">
           <a:xfrm>
             <a:off x="371474" y="859392"/>
-            <a:ext cx="6635150" cy="369332"/>
+            <a:ext cx="8148384" cy="369332"/>
           </a:xfrm>
           <a:prstGeom prst="rect">
             <a:avLst/>
@@ -12118,6 +12003,46 @@
               </a:rPr>
               <a:t>: 50 </a:t>
             </a:r>
+            <a:r>
+              <a:rPr lang="de-DE" altLang="de-DE" dirty="0">
+                <a:latin typeface="+mj-lt"/>
+              </a:rPr>
+              <a:t>(</a:t>
+            </a:r>
+            <a:r>
+              <a:rPr lang="de-DE" altLang="de-DE" dirty="0" err="1">
+                <a:latin typeface="+mj-lt"/>
+              </a:rPr>
+              <a:t>early</a:t>
+            </a:r>
+            <a:r>
+              <a:rPr lang="de-DE" altLang="de-DE" dirty="0">
+                <a:latin typeface="+mj-lt"/>
+              </a:rPr>
+              <a:t> </a:t>
+            </a:r>
+            <a:r>
+              <a:rPr lang="de-DE" altLang="de-DE" dirty="0" err="1">
+                <a:latin typeface="+mj-lt"/>
+              </a:rPr>
+              <a:t>stopping</a:t>
+            </a:r>
+            <a:r>
+              <a:rPr lang="de-DE" altLang="de-DE" dirty="0">
+                <a:latin typeface="+mj-lt"/>
+              </a:rPr>
+              <a:t>)</a:t>
+            </a:r>
+            <a:endParaRPr kumimoji="0" lang="de-DE" altLang="de-DE" b="0" i="0" u="none" strike="noStrike" cap="none" normalizeH="0" baseline="0" dirty="0">
+              <a:ln>
+                <a:noFill/>
+              </a:ln>
+              <a:solidFill>
+                <a:schemeClr val="tx1"/>
+              </a:solidFill>
+              <a:effectLst/>
+              <a:latin typeface="+mj-lt"/>
+            </a:endParaRPr>
           </a:p>
         </p:txBody>
       </p:sp>
@@ -12876,31 +12801,6 @@
               <a:pPr/>
               <a:t>30</a:t>
             </a:fld>
-            <a:endParaRPr lang="de-DE"/>
-          </a:p>
-        </p:txBody>
-      </p:sp>
-      <p:sp>
-        <p:nvSpPr>
-          <p:cNvPr id="7" name="Inhaltsplatzhalter 6">
-            <a:extLst>
-              <a:ext uri="{FF2B5EF4-FFF2-40B4-BE49-F238E27FC236}">
-                <a16:creationId xmlns:a16="http://schemas.microsoft.com/office/drawing/2014/main" id="{C780A12F-776A-1DF0-69A7-64E6DF18F25D}"/>
-              </a:ext>
-            </a:extLst>
-          </p:cNvPr>
-          <p:cNvSpPr>
-            <a:spLocks noGrp="1"/>
-          </p:cNvSpPr>
-          <p:nvPr>
-            <p:ph idx="1"/>
-          </p:nvPr>
-        </p:nvSpPr>
-        <p:spPr/>
-        <p:txBody>
-          <a:bodyPr/>
-          <a:lstStyle/>
-          <a:p>
             <a:endParaRPr lang="de-DE"/>
           </a:p>
         </p:txBody>
@@ -13090,31 +12990,6 @@
           </a:p>
         </p:txBody>
       </p:sp>
-      <p:sp>
-        <p:nvSpPr>
-          <p:cNvPr id="7" name="Inhaltsplatzhalter 6">
-            <a:extLst>
-              <a:ext uri="{FF2B5EF4-FFF2-40B4-BE49-F238E27FC236}">
-                <a16:creationId xmlns:a16="http://schemas.microsoft.com/office/drawing/2014/main" id="{B32A8E8A-7909-033E-69E9-C13B5DC384A0}"/>
-              </a:ext>
-            </a:extLst>
-          </p:cNvPr>
-          <p:cNvSpPr>
-            <a:spLocks noGrp="1"/>
-          </p:cNvSpPr>
-          <p:nvPr>
-            <p:ph idx="1"/>
-          </p:nvPr>
-        </p:nvSpPr>
-        <p:spPr/>
-        <p:txBody>
-          <a:bodyPr/>
-          <a:lstStyle/>
-          <a:p>
-            <a:endParaRPr lang="en-US"/>
-          </a:p>
-        </p:txBody>
-      </p:sp>
       <p:pic>
         <p:nvPicPr>
           <p:cNvPr id="8" name="Grafik 7">
@@ -14301,169 +14176,94 @@
           <a:bodyPr/>
           <a:lstStyle/>
           <a:p>
-            <a:pPr marL="457200" indent="-457200">
-              <a:buFont typeface="Arial" panose="020B0604020202020204" pitchFamily="34" charset="0"/>
-              <a:buChar char="•"/>
+            <a:r>
+              <a:rPr lang="en-US" sz="2200" dirty="0">
+                <a:solidFill>
+                  <a:schemeClr val="accent4">
+                    <a:lumMod val="75000"/>
+                  </a:schemeClr>
+                </a:solidFill>
+              </a:rPr>
+              <a:t>Best Models: </a:t>
+            </a:r>
+            <a:r>
+              <a:rPr lang="en-US" sz="2200" dirty="0"/>
+              <a:t>Vision Transformer, </a:t>
+            </a:r>
+            <a:r>
+              <a:rPr lang="en-US" sz="2200" dirty="0" err="1"/>
+              <a:t>AlexNet</a:t>
+            </a:r>
+            <a:endParaRPr lang="en-US" sz="2200" dirty="0"/>
+          </a:p>
+          <a:p>
+            <a:endParaRPr lang="en-US" sz="2200" dirty="0">
+              <a:solidFill>
+                <a:schemeClr val="accent4">
+                  <a:lumMod val="75000"/>
+                </a:schemeClr>
+              </a:solidFill>
+            </a:endParaRPr>
+          </a:p>
+          <a:p>
+            <a:r>
+              <a:rPr lang="en-US" sz="2200" dirty="0">
+                <a:solidFill>
+                  <a:schemeClr val="accent4">
+                    <a:lumMod val="75000"/>
+                  </a:schemeClr>
+                </a:solidFill>
+              </a:rPr>
+              <a:t>Data Augmentation</a:t>
+            </a:r>
+            <a:r>
+              <a:rPr lang="en-US" sz="2200" dirty="0"/>
+              <a:t>: More images and augmentation improve model performance</a:t>
+            </a:r>
+          </a:p>
+          <a:p>
+            <a:pPr marL="0" indent="0">
+              <a:buNone/>
             </a:pPr>
-            <a:r>
-              <a:rPr lang="de-DE" dirty="0"/>
-              <a:t>More </a:t>
-            </a:r>
-            <a:r>
-              <a:rPr lang="de-DE" dirty="0" err="1"/>
-              <a:t>images</a:t>
-            </a:r>
-            <a:r>
-              <a:rPr lang="de-DE" dirty="0"/>
-              <a:t> and </a:t>
-            </a:r>
-            <a:r>
-              <a:rPr lang="de-DE" dirty="0" err="1"/>
-              <a:t>data</a:t>
-            </a:r>
-            <a:r>
-              <a:rPr lang="de-DE" dirty="0"/>
-              <a:t> </a:t>
-            </a:r>
-            <a:r>
-              <a:rPr lang="de-DE" dirty="0" err="1"/>
-              <a:t>augmentation</a:t>
-            </a:r>
-            <a:r>
-              <a:rPr lang="de-DE" dirty="0"/>
-              <a:t> </a:t>
-            </a:r>
-            <a:r>
-              <a:rPr lang="de-DE" dirty="0" err="1"/>
-              <a:t>improve</a:t>
-            </a:r>
-            <a:r>
-              <a:rPr lang="de-DE" dirty="0"/>
-              <a:t> </a:t>
-            </a:r>
-            <a:r>
-              <a:rPr lang="de-DE" dirty="0" err="1"/>
-              <a:t>performence</a:t>
-            </a:r>
-            <a:r>
-              <a:rPr lang="de-DE" dirty="0"/>
-              <a:t> </a:t>
-            </a:r>
-            <a:r>
-              <a:rPr lang="de-DE" dirty="0" err="1"/>
-              <a:t>of</a:t>
-            </a:r>
-            <a:r>
-              <a:rPr lang="de-DE" dirty="0"/>
-              <a:t> all </a:t>
-            </a:r>
-            <a:r>
-              <a:rPr lang="de-DE" dirty="0" err="1"/>
-              <a:t>models</a:t>
-            </a:r>
-            <a:endParaRPr lang="de-DE" dirty="0"/>
-          </a:p>
-          <a:p>
-            <a:pPr marL="457200" indent="-457200">
-              <a:buFont typeface="Arial" panose="020B0604020202020204" pitchFamily="34" charset="0"/>
-              <a:buChar char="•"/>
+            <a:endParaRPr lang="en-US" sz="2200" dirty="0"/>
+          </a:p>
+          <a:p>
+            <a:r>
+              <a:rPr lang="en-US" sz="2200" dirty="0">
+                <a:solidFill>
+                  <a:schemeClr val="accent4">
+                    <a:lumMod val="75000"/>
+                  </a:schemeClr>
+                </a:solidFill>
+              </a:rPr>
+              <a:t>Early Stopping</a:t>
+            </a:r>
+            <a:r>
+              <a:rPr lang="en-US" sz="2200" dirty="0"/>
+              <a:t>: Adjusting patience prevents overfitting and enhances generalization</a:t>
+            </a:r>
+          </a:p>
+          <a:p>
+            <a:pPr marL="0" indent="0">
+              <a:buNone/>
             </a:pPr>
-            <a:endParaRPr lang="de-DE" dirty="0"/>
-          </a:p>
-          <a:p>
-            <a:pPr marL="457200" indent="-457200">
-              <a:buFont typeface="Arial" panose="020B0604020202020204" pitchFamily="34" charset="0"/>
-              <a:buChar char="•"/>
-            </a:pPr>
-            <a:r>
-              <a:rPr lang="en-US" dirty="0"/>
-              <a:t>Early Stopping: Due to overfitting and low generalization </a:t>
-            </a:r>
-            <a:r>
-              <a:rPr lang="en-US" dirty="0">
-                <a:sym typeface="Wingdings" panose="05000000000000000000" pitchFamily="2" charset="2"/>
+            <a:endParaRPr lang="en-US" sz="2200" dirty="0"/>
+          </a:p>
+          <a:p>
+            <a:r>
+              <a:rPr lang="en-US" sz="2200" dirty="0">
+                <a:solidFill>
+                  <a:schemeClr val="accent4">
+                    <a:lumMod val="75000"/>
+                  </a:schemeClr>
+                </a:solidFill>
               </a:rPr>
-              <a:t> patience value should be improved</a:t>
-            </a:r>
-          </a:p>
-          <a:p>
-            <a:endParaRPr lang="de-DE" dirty="0"/>
-          </a:p>
-          <a:p>
-            <a:pPr marL="457200" indent="-457200">
-              <a:buFont typeface="Arial" panose="020B0604020202020204" pitchFamily="34" charset="0"/>
-              <a:buChar char="•"/>
-            </a:pPr>
-            <a:r>
-              <a:rPr lang="de-DE" dirty="0"/>
-              <a:t>Drop out rate, </a:t>
-            </a:r>
-            <a:r>
-              <a:rPr lang="de-DE" dirty="0" err="1"/>
-              <a:t>weight</a:t>
-            </a:r>
-            <a:r>
-              <a:rPr lang="de-DE" dirty="0"/>
-              <a:t> </a:t>
-            </a:r>
-            <a:r>
-              <a:rPr lang="de-DE" dirty="0" err="1"/>
-              <a:t>decay</a:t>
-            </a:r>
-            <a:r>
-              <a:rPr lang="de-DE" dirty="0"/>
-              <a:t>, Learning rate </a:t>
-            </a:r>
-            <a:r>
-              <a:rPr lang="de-DE" dirty="0" err="1"/>
-              <a:t>scheduler</a:t>
-            </a:r>
-            <a:endParaRPr lang="de-DE" dirty="0"/>
-          </a:p>
-          <a:p>
-            <a:pPr marL="457200" indent="-457200">
-              <a:buFont typeface="Arial" panose="020B0604020202020204" pitchFamily="34" charset="0"/>
-              <a:buChar char="•"/>
-            </a:pPr>
-            <a:endParaRPr lang="de-DE" dirty="0"/>
-          </a:p>
-          <a:p>
-            <a:pPr marL="457200" indent="-457200">
-              <a:buFont typeface="Arial" panose="020B0604020202020204" pitchFamily="34" charset="0"/>
-              <a:buChar char="•"/>
-            </a:pPr>
-            <a:r>
-              <a:rPr lang="de-DE" dirty="0" err="1"/>
-              <a:t>AlexNet</a:t>
-            </a:r>
-            <a:r>
-              <a:rPr lang="de-DE" dirty="0"/>
-              <a:t> </a:t>
-            </a:r>
-            <a:r>
-              <a:rPr lang="de-DE" dirty="0" err="1"/>
-              <a:t>has</a:t>
-            </a:r>
-            <a:r>
-              <a:rPr lang="de-DE" dirty="0"/>
-              <a:t> </a:t>
-            </a:r>
-            <a:r>
-              <a:rPr lang="de-DE" dirty="0" err="1"/>
-              <a:t>best</a:t>
-            </a:r>
-            <a:r>
-              <a:rPr lang="de-DE" dirty="0"/>
-              <a:t> </a:t>
-            </a:r>
-            <a:r>
-              <a:rPr lang="de-DE" dirty="0" err="1"/>
-              <a:t>focus</a:t>
-            </a:r>
-            <a:endParaRPr lang="de-DE" dirty="0"/>
-          </a:p>
-          <a:p>
-            <a:endParaRPr lang="de-DE" dirty="0"/>
+              <a:t>Optimization</a:t>
+            </a:r>
+            <a:r>
+              <a:rPr lang="en-US" sz="2200" dirty="0"/>
+              <a:t>: Dropout, weight decay, and learning rate scheduling improve robustness</a:t>
+            </a:r>
           </a:p>
         </p:txBody>
       </p:sp>
@@ -14864,53 +14664,28 @@
           <a:lstStyle/>
           <a:p>
             <a:r>
-              <a:rPr lang="de-DE" dirty="0"/>
-              <a:t>Fine-tuning </a:t>
-            </a:r>
-            <a:r>
-              <a:rPr lang="de-DE" dirty="0" err="1"/>
-              <a:t>Diffusionmodel</a:t>
-            </a:r>
-            <a:r>
-              <a:rPr lang="de-DE" dirty="0"/>
-              <a:t> </a:t>
-            </a:r>
-            <a:r>
-              <a:rPr lang="de-DE" dirty="0" err="1"/>
-              <a:t>for</a:t>
-            </a:r>
-            <a:r>
-              <a:rPr lang="de-DE" dirty="0"/>
-              <a:t> </a:t>
-            </a:r>
-            <a:r>
-              <a:rPr lang="de-DE" dirty="0" err="1"/>
-              <a:t>better</a:t>
-            </a:r>
-            <a:r>
-              <a:rPr lang="de-DE" dirty="0"/>
-              <a:t> </a:t>
-            </a:r>
-            <a:r>
-              <a:rPr lang="de-DE" dirty="0" err="1"/>
-              <a:t>results</a:t>
-            </a:r>
-            <a:endParaRPr lang="de-DE" dirty="0"/>
-          </a:p>
-          <a:p>
-            <a:r>
-              <a:rPr lang="de-DE" dirty="0" err="1"/>
-              <a:t>better</a:t>
-            </a:r>
-            <a:r>
-              <a:rPr lang="de-DE" dirty="0"/>
-              <a:t> </a:t>
-            </a:r>
-            <a:r>
-              <a:rPr lang="de-DE" dirty="0" err="1"/>
-              <a:t>prompts</a:t>
-            </a:r>
-            <a:endParaRPr lang="de-DE" dirty="0"/>
+              <a:rPr lang="en-US" sz="2200" noProof="0" dirty="0"/>
+              <a:t>Fine-tuning Diffusion model</a:t>
+            </a:r>
+          </a:p>
+          <a:p>
+            <a:endParaRPr lang="en-US" sz="2200" noProof="0" dirty="0"/>
+          </a:p>
+          <a:p>
+            <a:r>
+              <a:rPr lang="en-GB" sz="2200" noProof="0" dirty="0"/>
+              <a:t>Optimize Prompt Engineering</a:t>
+            </a:r>
+          </a:p>
+          <a:p>
+            <a:endParaRPr lang="en-GB" sz="2200" noProof="0" dirty="0"/>
+          </a:p>
+          <a:p>
+            <a:r>
+              <a:rPr lang="en-GB" sz="2200" dirty="0"/>
+              <a:t>More experiments with hyperparameters</a:t>
+            </a:r>
+            <a:endParaRPr lang="en-GB" sz="2200" noProof="0" dirty="0"/>
           </a:p>
           <a:p>
             <a:endParaRPr lang="de-DE" dirty="0"/>
